--- a/Project 2 - Client Presentation Selva.pptx
+++ b/Project 2 - Client Presentation Selva.pptx
@@ -1,19 +1,19 @@
 
 <file path=ppt/presentation.xml><?xml version="1.0" encoding="utf-8"?>
-<p:presentation xmlns:a="http://schemas.openxmlformats.org/drawingml/2006/main" xmlns:r="http://schemas.openxmlformats.org/officeDocument/2006/relationships" xmlns:p="http://schemas.openxmlformats.org/presentationml/2006/main" xmlns:m="http://schemas.openxmlformats.org/officeDocument/2006/math" xmlns:a14="http://schemas.microsoft.com/office/drawing/2010/main">
+<p:presentation xmlns:a="http://schemas.openxmlformats.org/drawingml/2006/main" xmlns:r="http://schemas.openxmlformats.org/officeDocument/2006/relationships" xmlns:p="http://schemas.openxmlformats.org/presentationml/2006/main">
   <p:sldMasterIdLst>
-    <p:sldMasterId id="2147483648" r:id="rId5"/>
+    <p:sldMasterId id="2147483648" r:id="rId1"/>
   </p:sldMasterIdLst>
   <p:notesMasterIdLst>
-    <p:notesMasterId r:id="rId7"/>
+    <p:notesMasterId r:id="rId8"/>
   </p:notesMasterIdLst>
   <p:sldIdLst>
-    <p:sldId id="256" r:id="rId8"/>
-    <p:sldId id="257" r:id="rId9"/>
-    <p:sldId id="258" r:id="rId10"/>
-    <p:sldId id="259" r:id="rId11"/>
-    <p:sldId id="260" r:id="rId12"/>
-    <p:sldId id="261" r:id="rId13"/>
+    <p:sldId id="256" r:id="rId2"/>
+    <p:sldId id="257" r:id="rId3"/>
+    <p:sldId id="258" r:id="rId4"/>
+    <p:sldId id="259" r:id="rId5"/>
+    <p:sldId id="260" r:id="rId6"/>
+    <p:sldId id="261" r:id="rId7"/>
   </p:sldIdLst>
   <p:sldSz cx="12192000" cy="6858000"/>
   <p:notesSz cx="6858000" cy="9144000"/>
@@ -33,7 +33,7 @@
       <a:buFontTx/>
       <a:buNone/>
       <a:tabLst/>
-      <a:defRPr b="0" baseline="0" cap="none" i="0" spc="0" strike="noStrike" sz="1800" u="none" kumimoji="0" normalizeH="0">
+      <a:defRPr kumimoji="0" sz="1800" b="0" i="0" u="none" strike="noStrike" cap="none" spc="0" normalizeH="0" baseline="0">
         <a:ln>
           <a:noFill/>
         </a:ln>
@@ -59,7 +59,7 @@
       <a:buFontTx/>
       <a:buNone/>
       <a:tabLst/>
-      <a:defRPr b="0" baseline="0" cap="none" i="0" spc="0" strike="noStrike" sz="1800" u="none" kumimoji="0" normalizeH="0">
+      <a:defRPr kumimoji="0" sz="1800" b="0" i="0" u="none" strike="noStrike" cap="none" spc="0" normalizeH="0" baseline="0">
         <a:ln>
           <a:noFill/>
         </a:ln>
@@ -89,7 +89,7 @@
       <a:buFontTx/>
       <a:buNone/>
       <a:tabLst/>
-      <a:defRPr b="0" baseline="0" cap="none" i="0" spc="0" strike="noStrike" sz="1800" u="none" kumimoji="0" normalizeH="0">
+      <a:defRPr kumimoji="0" sz="1800" b="0" i="0" u="none" strike="noStrike" cap="none" spc="0" normalizeH="0" baseline="0">
         <a:ln>
           <a:noFill/>
         </a:ln>
@@ -119,7 +119,7 @@
       <a:buFontTx/>
       <a:buNone/>
       <a:tabLst/>
-      <a:defRPr b="0" baseline="0" cap="none" i="0" spc="0" strike="noStrike" sz="1800" u="none" kumimoji="0" normalizeH="0">
+      <a:defRPr kumimoji="0" sz="1800" b="0" i="0" u="none" strike="noStrike" cap="none" spc="0" normalizeH="0" baseline="0">
         <a:ln>
           <a:noFill/>
         </a:ln>
@@ -149,7 +149,7 @@
       <a:buFontTx/>
       <a:buNone/>
       <a:tabLst/>
-      <a:defRPr b="0" baseline="0" cap="none" i="0" spc="0" strike="noStrike" sz="1800" u="none" kumimoji="0" normalizeH="0">
+      <a:defRPr kumimoji="0" sz="1800" b="0" i="0" u="none" strike="noStrike" cap="none" spc="0" normalizeH="0" baseline="0">
         <a:ln>
           <a:noFill/>
         </a:ln>
@@ -179,7 +179,7 @@
       <a:buFontTx/>
       <a:buNone/>
       <a:tabLst/>
-      <a:defRPr b="0" baseline="0" cap="none" i="0" spc="0" strike="noStrike" sz="1800" u="none" kumimoji="0" normalizeH="0">
+      <a:defRPr kumimoji="0" sz="1800" b="0" i="0" u="none" strike="noStrike" cap="none" spc="0" normalizeH="0" baseline="0">
         <a:ln>
           <a:noFill/>
         </a:ln>
@@ -209,7 +209,7 @@
       <a:buFontTx/>
       <a:buNone/>
       <a:tabLst/>
-      <a:defRPr b="0" baseline="0" cap="none" i="0" spc="0" strike="noStrike" sz="1800" u="none" kumimoji="0" normalizeH="0">
+      <a:defRPr kumimoji="0" sz="1800" b="0" i="0" u="none" strike="noStrike" cap="none" spc="0" normalizeH="0" baseline="0">
         <a:ln>
           <a:noFill/>
         </a:ln>
@@ -239,7 +239,7 @@
       <a:buFontTx/>
       <a:buNone/>
       <a:tabLst/>
-      <a:defRPr b="0" baseline="0" cap="none" i="0" spc="0" strike="noStrike" sz="1800" u="none" kumimoji="0" normalizeH="0">
+      <a:defRPr kumimoji="0" sz="1800" b="0" i="0" u="none" strike="noStrike" cap="none" spc="0" normalizeH="0" baseline="0">
         <a:ln>
           <a:noFill/>
         </a:ln>
@@ -269,7 +269,7 @@
       <a:buFontTx/>
       <a:buNone/>
       <a:tabLst/>
-      <a:defRPr b="0" baseline="0" cap="none" i="0" spc="0" strike="noStrike" sz="1800" u="none" kumimoji="0" normalizeH="0">
+      <a:defRPr kumimoji="0" sz="1800" b="0" i="0" u="none" strike="noStrike" cap="none" spc="0" normalizeH="0" baseline="0">
         <a:ln>
           <a:noFill/>
         </a:ln>
@@ -299,7 +299,7 @@
       <a:buFontTx/>
       <a:buNone/>
       <a:tabLst/>
-      <a:defRPr b="0" baseline="0" cap="none" i="0" spc="0" strike="noStrike" sz="1800" u="none" kumimoji="0" normalizeH="0">
+      <a:defRPr kumimoji="0" sz="1800" b="0" i="0" u="none" strike="noStrike" cap="none" spc="0" normalizeH="0" baseline="0">
         <a:ln>
           <a:noFill/>
         </a:ln>
@@ -318,13 +318,43 @@
 </p:presentation>
 </file>
 
-<file path=ppt/commentAuthors.xml><?xml version="1.0" encoding="utf-8"?>
-<p:cmAuthorLst xmlns:a="http://schemas.openxmlformats.org/drawingml/2006/main" xmlns:r="http://schemas.openxmlformats.org/officeDocument/2006/relationships" xmlns:p="http://schemas.openxmlformats.org/presentationml/2006/main" xmlns:m="http://schemas.openxmlformats.org/officeDocument/2006/math" xmlns:a14="http://schemas.microsoft.com/office/drawing/2010/main"/>
+<file path=ppt/changesInfos/changesInfo1.xml><?xml version="1.0" encoding="utf-8"?>
+<pc:chgInfo xmlns:a="http://schemas.openxmlformats.org/drawingml/2006/main" xmlns:r="http://schemas.openxmlformats.org/officeDocument/2006/relationships" xmlns:ac="http://schemas.microsoft.com/office/drawing/2013/main/command" xmlns:pc="http://schemas.microsoft.com/office/powerpoint/2013/main/command">
+  <pc:docChgLst>
+    <pc:chgData name="Path Selva" userId="fee8966c003fa6ce" providerId="LiveId" clId="{7F602EC0-17F8-4C51-93A6-355B1674589F}"/>
+    <pc:docChg chg="modSld">
+      <pc:chgData name="Path Selva" userId="fee8966c003fa6ce" providerId="LiveId" clId="{7F602EC0-17F8-4C51-93A6-355B1674589F}" dt="2025-04-27T03:04:52.439" v="11" actId="20577"/>
+      <pc:docMkLst>
+        <pc:docMk/>
+      </pc:docMkLst>
+      <pc:sldChg chg="modSp mod">
+        <pc:chgData name="Path Selva" userId="fee8966c003fa6ce" providerId="LiveId" clId="{7F602EC0-17F8-4C51-93A6-355B1674589F}" dt="2025-04-27T03:04:52.439" v="11" actId="20577"/>
+        <pc:sldMkLst>
+          <pc:docMk/>
+          <pc:sldMk cId="0" sldId="256"/>
+        </pc:sldMkLst>
+        <pc:spChg chg="mod">
+          <ac:chgData name="Path Selva" userId="fee8966c003fa6ce" providerId="LiveId" clId="{7F602EC0-17F8-4C51-93A6-355B1674589F}" dt="2025-04-27T03:04:52.439" v="11" actId="20577"/>
+          <ac:spMkLst>
+            <pc:docMk/>
+            <pc:sldMk cId="0" sldId="256"/>
+            <ac:spMk id="97" creationId="{00000000-0000-0000-0000-000000000000}"/>
+          </ac:spMkLst>
+        </pc:spChg>
+      </pc:sldChg>
+    </pc:docChg>
+  </pc:docChgLst>
+</pc:chgInfo>
 </file>
 
 <file path=ppt/notesMasters/notesMaster1.xml><?xml version="1.0" encoding="utf-8"?>
-<p:notesMaster xmlns:a="http://schemas.openxmlformats.org/drawingml/2006/main" xmlns:r="http://schemas.openxmlformats.org/officeDocument/2006/relationships" xmlns:p="http://schemas.openxmlformats.org/presentationml/2006/main" xmlns:m="http://schemas.openxmlformats.org/officeDocument/2006/math" xmlns:a14="http://schemas.microsoft.com/office/drawing/2010/main">
+<p:notesMaster xmlns:a="http://schemas.openxmlformats.org/drawingml/2006/main" xmlns:r="http://schemas.openxmlformats.org/officeDocument/2006/relationships" xmlns:p="http://schemas.openxmlformats.org/presentationml/2006/main">
   <p:cSld>
+    <p:bg>
+      <p:bgRef idx="1001">
+        <a:schemeClr val="bg1"/>
+      </p:bgRef>
+    </p:bg>
     <p:spTree>
       <p:nvGrpSpPr>
         <p:cNvPr id="1" name=""/>
@@ -342,7 +372,9 @@
       <p:sp>
         <p:nvSpPr>
           <p:cNvPr id="91" name="Shape 91"/>
-          <p:cNvSpPr/>
+          <p:cNvSpPr>
+            <a:spLocks noGrp="1" noRot="1" noChangeAspect="1"/>
+          </p:cNvSpPr>
           <p:nvPr>
             <p:ph type="sldImg"/>
           </p:nvPr>
@@ -360,14 +392,16 @@
           <a:bodyPr/>
           <a:lstStyle/>
           <a:p>
-            <a:pPr/>
+            <a:endParaRPr/>
           </a:p>
         </p:txBody>
       </p:sp>
       <p:sp>
         <p:nvSpPr>
           <p:cNvPr id="92" name="Shape 92"/>
-          <p:cNvSpPr/>
+          <p:cNvSpPr>
+            <a:spLocks noGrp="1"/>
+          </p:cNvSpPr>
           <p:nvPr>
             <p:ph type="body" sz="quarter" idx="1"/>
           </p:nvPr>
@@ -385,7 +419,7 @@
           <a:bodyPr/>
           <a:lstStyle/>
           <a:p>
-            <a:pPr/>
+            <a:endParaRPr/>
           </a:p>
         </p:txBody>
       </p:sp>
@@ -470,7 +504,7 @@
 </file>
 
 <file path=ppt/notesSlides/notesSlide1.xml><?xml version="1.0" encoding="utf-8"?>
-<p:notes xmlns:a="http://schemas.openxmlformats.org/drawingml/2006/main" xmlns:r="http://schemas.openxmlformats.org/officeDocument/2006/relationships" xmlns:p="http://schemas.openxmlformats.org/presentationml/2006/main" xmlns:m="http://schemas.openxmlformats.org/officeDocument/2006/math" xmlns:a14="http://schemas.microsoft.com/office/drawing/2010/main" showMasterSp="1" showMasterPhAnim="1">
+<p:notes xmlns:a="http://schemas.openxmlformats.org/drawingml/2006/main" xmlns:r="http://schemas.openxmlformats.org/officeDocument/2006/relationships" xmlns:p="http://schemas.openxmlformats.org/presentationml/2006/main">
   <p:cSld>
     <p:spTree>
       <p:nvGrpSpPr>
@@ -489,12 +523,18 @@
       <p:sp>
         <p:nvSpPr>
           <p:cNvPr id="98" name="Shape 98"/>
-          <p:cNvSpPr/>
+          <p:cNvSpPr>
+            <a:spLocks noGrp="1" noRot="1" noChangeAspect="1"/>
+          </p:cNvSpPr>
           <p:nvPr>
             <p:ph type="sldImg"/>
           </p:nvPr>
         </p:nvSpPr>
         <p:spPr>
+          <a:xfrm>
+            <a:off x="381000" y="685800"/>
+            <a:ext cx="6096000" cy="3429000"/>
+          </a:xfrm>
           <a:prstGeom prst="rect">
             <a:avLst/>
           </a:prstGeom>
@@ -503,14 +543,16 @@
           <a:bodyPr/>
           <a:lstStyle/>
           <a:p>
-            <a:pPr/>
+            <a:endParaRPr/>
           </a:p>
         </p:txBody>
       </p:sp>
       <p:sp>
         <p:nvSpPr>
           <p:cNvPr id="99" name="Shape 99"/>
-          <p:cNvSpPr/>
+          <p:cNvSpPr>
+            <a:spLocks noGrp="1"/>
+          </p:cNvSpPr>
           <p:nvPr>
             <p:ph type="body" sz="quarter" idx="1"/>
           </p:nvPr>
@@ -524,7 +566,6 @@
           <a:bodyPr/>
           <a:lstStyle/>
           <a:p>
-            <a:pPr/>
             <a:r>
               <a:t>[No speaker notes required for this slide.]</a:t>
             </a:r>
@@ -540,7 +581,7 @@
 </file>
 
 <file path=ppt/notesSlides/notesSlide2.xml><?xml version="1.0" encoding="utf-8"?>
-<p:notes xmlns:a="http://schemas.openxmlformats.org/drawingml/2006/main" xmlns:r="http://schemas.openxmlformats.org/officeDocument/2006/relationships" xmlns:p="http://schemas.openxmlformats.org/presentationml/2006/main" xmlns:m="http://schemas.openxmlformats.org/officeDocument/2006/math" xmlns:a14="http://schemas.microsoft.com/office/drawing/2010/main" showMasterSp="1" showMasterPhAnim="1">
+<p:notes xmlns:a="http://schemas.openxmlformats.org/drawingml/2006/main" xmlns:r="http://schemas.openxmlformats.org/officeDocument/2006/relationships" xmlns:p="http://schemas.openxmlformats.org/presentationml/2006/main">
   <p:cSld>
     <p:spTree>
       <p:nvGrpSpPr>
@@ -559,7 +600,9 @@
       <p:sp>
         <p:nvSpPr>
           <p:cNvPr id="106" name="Shape 106"/>
-          <p:cNvSpPr/>
+          <p:cNvSpPr>
+            <a:spLocks noGrp="1" noRot="1" noChangeAspect="1"/>
+          </p:cNvSpPr>
           <p:nvPr>
             <p:ph type="sldImg"/>
           </p:nvPr>
@@ -573,14 +616,16 @@
           <a:bodyPr/>
           <a:lstStyle/>
           <a:p>
-            <a:pPr/>
+            <a:endParaRPr/>
           </a:p>
         </p:txBody>
       </p:sp>
       <p:sp>
         <p:nvSpPr>
           <p:cNvPr id="107" name="Shape 107"/>
-          <p:cNvSpPr/>
+          <p:cNvSpPr>
+            <a:spLocks noGrp="1"/>
+          </p:cNvSpPr>
           <p:nvPr>
             <p:ph type="body" sz="quarter" idx="1"/>
           </p:nvPr>
@@ -594,43 +639,38 @@
           <a:bodyPr/>
           <a:lstStyle/>
           <a:p>
-            <a:pPr/>
             <a:r>
               <a:t>Functional requirements provide insight into how the system should perform specific operations and nonfunctional requirements depict the work-flow or characteristics of the system. </a:t>
             </a:r>
           </a:p>
           <a:p>
-            <a:pPr/>
-          </a:p>
-          <a:p>
-            <a:pPr/>
+            <a:endParaRPr/>
+          </a:p>
+          <a:p>
             <a:r>
               <a:t>The first of two functional requirements listed is the ability to allow customers to select one of three driving packages. Within the DriverPass portal, after a customer logs in, they will have the option to select one of the three different packages our client provides. Following the selection via hyperlink, the customer is brought to a new page that will request payment information. Payment will be made for the cost listed for the package they chose, then the customer will be able to start scheduling their driving lessons.</a:t>
             </a:r>
           </a:p>
           <a:p>
-            <a:pPr/>
-          </a:p>
-          <a:p>
-            <a:pPr/>
+            <a:endParaRPr/>
+          </a:p>
+          <a:p>
             <a:r>
               <a:t>The second functional requirement states the system will allow students to book their driving lessons on the portal. After a customer logs into their account with their unique login information, they will have the option to view the calendar and select a date and time to reserve a driving lesson. Lessons that have already been booked will have been blocked from the calendar, so reservations are not double booked.</a:t>
             </a:r>
           </a:p>
           <a:p>
-            <a:pPr/>
-          </a:p>
-          <a:p>
-            <a:pPr/>
+            <a:endParaRPr/>
+          </a:p>
+          <a:p>
             <a:r>
               <a:t>Next, we need to consider nonfunctional requirements of our system. Our first nonfunctional requirement is adaptability. From the administrative and IT standpoint, you want to be sure that every bit of data is stored on the “backend” which means that data can not be accessed by anyone, but the people provided unique access. In this case, only IT administrative staff will be able to access this data. The IT admin will be able to access all components that are responsible for maintaining this system, which will include the server it runs on and the database where all sensitive information is stored.  </a:t>
             </a:r>
           </a:p>
           <a:p>
-            <a:pPr/>
-          </a:p>
-          <a:p>
-            <a:pPr/>
+            <a:endParaRPr/>
+          </a:p>
+          <a:p>
             <a:r>
               <a:t>Our second nonfunctional requirement is system performance. From our understanding, you the client, requested the use of a web-based cloud environment. This will be cost effective for your company and allow the system to be scaled up or down in size depending on your needs as your company grows and changes. The system will be expected to have minimal lag time, meaning no long waits in between clicking links. Updates to the system on either a bi-weekly or monthly basis to make sure the system is functioning properly and fits your businesses’ needs. </a:t>
             </a:r>
@@ -646,7 +686,7 @@
 </file>
 
 <file path=ppt/notesSlides/notesSlide3.xml><?xml version="1.0" encoding="utf-8"?>
-<p:notes xmlns:a="http://schemas.openxmlformats.org/drawingml/2006/main" xmlns:r="http://schemas.openxmlformats.org/officeDocument/2006/relationships" xmlns:p="http://schemas.openxmlformats.org/presentationml/2006/main" xmlns:m="http://schemas.openxmlformats.org/officeDocument/2006/math" xmlns:a14="http://schemas.microsoft.com/office/drawing/2010/main" showMasterSp="1" showMasterPhAnim="1">
+<p:notes xmlns:a="http://schemas.openxmlformats.org/drawingml/2006/main" xmlns:r="http://schemas.openxmlformats.org/officeDocument/2006/relationships" xmlns:p="http://schemas.openxmlformats.org/presentationml/2006/main">
   <p:cSld>
     <p:spTree>
       <p:nvGrpSpPr>
@@ -665,7 +705,9 @@
       <p:sp>
         <p:nvSpPr>
           <p:cNvPr id="115" name="Shape 115"/>
-          <p:cNvSpPr/>
+          <p:cNvSpPr>
+            <a:spLocks noGrp="1" noRot="1" noChangeAspect="1"/>
+          </p:cNvSpPr>
           <p:nvPr>
             <p:ph type="sldImg"/>
           </p:nvPr>
@@ -679,14 +721,16 @@
           <a:bodyPr/>
           <a:lstStyle/>
           <a:p>
-            <a:pPr/>
+            <a:endParaRPr/>
           </a:p>
         </p:txBody>
       </p:sp>
       <p:sp>
         <p:nvSpPr>
           <p:cNvPr id="116" name="Shape 116"/>
-          <p:cNvSpPr/>
+          <p:cNvSpPr>
+            <a:spLocks noGrp="1"/>
+          </p:cNvSpPr>
           <p:nvPr>
             <p:ph type="body" sz="quarter" idx="1"/>
           </p:nvPr>
@@ -700,7 +744,6 @@
           <a:bodyPr/>
           <a:lstStyle/>
           <a:p>
-            <a:pPr/>
             <a:r>
               <a:t>The different “actors” or people engaging with this system will include the customers, you the administrative team, and the secretaries. Customers will be able to create an account, book appointments and make changes to them, view lesson notes from instructors, login to contact customer support, and reset passwords. Administrators will be able to run reports, receive DMV policy updates, and reset passwords for customers. The secretaries will be able to manage appointment bookings. We kept all of your needs in mind while creating this diagram so you can truly understand how it should function. It allows you to get a good idea of what operations each person using this system will be able to perform. Of course, with each person having their own login they will be limited to accessing only the information they have been approved for having access to. For example, secretaries will only ever be able to manage appointments. They will not be allowed to view customer credit card information, and customers will only be able to view the information provided to them within their account following submitting their unique login information.</a:t>
             </a:r>
@@ -716,7 +759,7 @@
 </file>
 
 <file path=ppt/notesSlides/notesSlide4.xml><?xml version="1.0" encoding="utf-8"?>
-<p:notes xmlns:a="http://schemas.openxmlformats.org/drawingml/2006/main" xmlns:r="http://schemas.openxmlformats.org/officeDocument/2006/relationships" xmlns:p="http://schemas.openxmlformats.org/presentationml/2006/main" xmlns:m="http://schemas.openxmlformats.org/officeDocument/2006/math" xmlns:a14="http://schemas.microsoft.com/office/drawing/2010/main" showMasterSp="1" showMasterPhAnim="1">
+<p:notes xmlns:a="http://schemas.openxmlformats.org/drawingml/2006/main" xmlns:r="http://schemas.openxmlformats.org/officeDocument/2006/relationships" xmlns:p="http://schemas.openxmlformats.org/presentationml/2006/main">
   <p:cSld>
     <p:spTree>
       <p:nvGrpSpPr>
@@ -735,7 +778,9 @@
       <p:sp>
         <p:nvSpPr>
           <p:cNvPr id="123" name="Shape 123"/>
-          <p:cNvSpPr/>
+          <p:cNvSpPr>
+            <a:spLocks noGrp="1" noRot="1" noChangeAspect="1"/>
+          </p:cNvSpPr>
           <p:nvPr>
             <p:ph type="sldImg"/>
           </p:nvPr>
@@ -749,14 +794,16 @@
           <a:bodyPr/>
           <a:lstStyle/>
           <a:p>
-            <a:pPr/>
+            <a:endParaRPr/>
           </a:p>
         </p:txBody>
       </p:sp>
       <p:sp>
         <p:nvSpPr>
           <p:cNvPr id="124" name="Shape 124"/>
-          <p:cNvSpPr/>
+          <p:cNvSpPr>
+            <a:spLocks noGrp="1"/>
+          </p:cNvSpPr>
           <p:nvPr>
             <p:ph type="body" sz="quarter" idx="1"/>
           </p:nvPr>
@@ -770,7 +817,6 @@
           <a:bodyPr/>
           <a:lstStyle/>
           <a:p>
-            <a:pPr/>
             <a:r>
               <a:t>Here you will see the how the system will function when a customer calls your administrative team to register their account and sign up for driving lessons. The customer will contact the secretary who will search by their name to see if they already have registered. If they have then they will not need to reregister. If not, they will intake the customer’s full name, address, confirm pick-up and drop-off locations, and intake credit card information. If the secretary tries to verify the credit card information in the system and it fails, then registration cannot occur. If the credit card information is verified, then the confirmation of this registration will be sent to the customer. The customer will then be prompted to schedule lessons via the web-portal with a secure login.</a:t>
             </a:r>
@@ -786,7 +832,7 @@
 </file>
 
 <file path=ppt/notesSlides/notesSlide5.xml><?xml version="1.0" encoding="utf-8"?>
-<p:notes xmlns:a="http://schemas.openxmlformats.org/drawingml/2006/main" xmlns:r="http://schemas.openxmlformats.org/officeDocument/2006/relationships" xmlns:p="http://schemas.openxmlformats.org/presentationml/2006/main" xmlns:m="http://schemas.openxmlformats.org/officeDocument/2006/math" xmlns:a14="http://schemas.microsoft.com/office/drawing/2010/main" showMasterSp="1" showMasterPhAnim="1">
+<p:notes xmlns:a="http://schemas.openxmlformats.org/drawingml/2006/main" xmlns:r="http://schemas.openxmlformats.org/officeDocument/2006/relationships" xmlns:p="http://schemas.openxmlformats.org/presentationml/2006/main">
   <p:cSld>
     <p:spTree>
       <p:nvGrpSpPr>
@@ -805,7 +851,9 @@
       <p:sp>
         <p:nvSpPr>
           <p:cNvPr id="131" name="Shape 131"/>
-          <p:cNvSpPr/>
+          <p:cNvSpPr>
+            <a:spLocks noGrp="1" noRot="1" noChangeAspect="1"/>
+          </p:cNvSpPr>
           <p:nvPr>
             <p:ph type="sldImg"/>
           </p:nvPr>
@@ -819,14 +867,16 @@
           <a:bodyPr/>
           <a:lstStyle/>
           <a:p>
-            <a:pPr/>
+            <a:endParaRPr/>
           </a:p>
         </p:txBody>
       </p:sp>
       <p:sp>
         <p:nvSpPr>
           <p:cNvPr id="132" name="Shape 132"/>
-          <p:cNvSpPr/>
+          <p:cNvSpPr>
+            <a:spLocks noGrp="1"/>
+          </p:cNvSpPr>
           <p:nvPr>
             <p:ph type="body" sz="quarter" idx="1"/>
           </p:nvPr>
@@ -840,9 +890,17 @@
           <a:bodyPr/>
           <a:lstStyle/>
           <a:p>
-            <a:pPr/>
-            <a:r>
-              <a:t>One of the best ways to implement security measures is by setting parameters for the logins being created by all the people using the system. Everyone, both customers and administrators, will need to have a unique login to view their DriverPass account. The input of a personal email for the username and then a personalized password that is case-sensitive will be required. To ensure the sensitive data, such as street address and credit card information for customers or the access to reports and reservation information for your administrative team is secure, the implementation of security features, such as multi-factor authentication will be utilized. Multi-factor authentication, simply put, is a way to verify the person logging into their account is really who they say they are. To ensure this, sending a secure passcode generated by the system will be sent to the customers device via text or email. If a person forgets their password, they will be prompted to change it via a link on the login window where IT administrators can initiate the change on their behalf or utilize the self-service link. It is also important to make sure there is a limit to how many times a person can attempt to login to their account. A maximum of three attempts will be allowed to attempt to login and then they will be locked out. In order to unlock it, the IT administrator will be able to unlock it on their end, ensuring there has not been a hacking attempt. </a:t>
+            <a:r>
+              <a:rPr dirty="0"/>
+              <a:t>One of the best ways to implement security measures is by setting parameters for the logins being created by all the people using the system. Everyone, both customers and administrators, will need to have a unique login to view their </a:t>
+            </a:r>
+            <a:r>
+              <a:rPr dirty="0" err="1"/>
+              <a:t>DriverPass</a:t>
+            </a:r>
+            <a:r>
+              <a:rPr dirty="0"/>
+              <a:t> account. The input of a personal email for the username and then a personalized password that is case-sensitive will be required. To ensure the sensitive data, such as street address and credit card information for customers or the access to reports and reservation information for your administrative team is secure, the implementation of security features, such as multi-factor authentication will be utilized. Multi-factor authentication, simply put, is a way to verify the person logging into their account is really who they say they are. To ensure this, sending a secure passcode generated by the system will be sent to the customers device via text or email. If a person forgets their password, they will be prompted to change it via a link on the login window where IT administrators can initiate the change on their behalf or utilize the self-service link. It is also important to make sure there is a limit to how many times a person can attempt to login to their account. A maximum of three attempts will be allowed to attempt to login and then they will be locked out. In order to unlock it, the IT administrator will be able to unlock it on their end, ensuring there has not been a hacking attempt. </a:t>
             </a:r>
           </a:p>
         </p:txBody>
@@ -856,7 +914,7 @@
 </file>
 
 <file path=ppt/notesSlides/notesSlide6.xml><?xml version="1.0" encoding="utf-8"?>
-<p:notes xmlns:a="http://schemas.openxmlformats.org/drawingml/2006/main" xmlns:r="http://schemas.openxmlformats.org/officeDocument/2006/relationships" xmlns:p="http://schemas.openxmlformats.org/presentationml/2006/main" xmlns:m="http://schemas.openxmlformats.org/officeDocument/2006/math" xmlns:a14="http://schemas.microsoft.com/office/drawing/2010/main" showMasterSp="1" showMasterPhAnim="1">
+<p:notes xmlns:a="http://schemas.openxmlformats.org/drawingml/2006/main" xmlns:r="http://schemas.openxmlformats.org/officeDocument/2006/relationships" xmlns:p="http://schemas.openxmlformats.org/presentationml/2006/main">
   <p:cSld>
     <p:spTree>
       <p:nvGrpSpPr>
@@ -875,7 +933,9 @@
       <p:sp>
         <p:nvSpPr>
           <p:cNvPr id="139" name="Shape 139"/>
-          <p:cNvSpPr/>
+          <p:cNvSpPr>
+            <a:spLocks noGrp="1" noRot="1" noChangeAspect="1"/>
+          </p:cNvSpPr>
           <p:nvPr>
             <p:ph type="sldImg"/>
           </p:nvPr>
@@ -889,14 +949,16 @@
           <a:bodyPr/>
           <a:lstStyle/>
           <a:p>
-            <a:pPr/>
+            <a:endParaRPr/>
           </a:p>
         </p:txBody>
       </p:sp>
       <p:sp>
         <p:nvSpPr>
           <p:cNvPr id="140" name="Shape 140"/>
-          <p:cNvSpPr/>
+          <p:cNvSpPr>
+            <a:spLocks noGrp="1"/>
+          </p:cNvSpPr>
           <p:nvPr>
             <p:ph type="body" sz="quarter" idx="1"/>
           </p:nvPr>
@@ -910,7 +972,6 @@
           <a:bodyPr/>
           <a:lstStyle/>
           <a:p>
-            <a:pPr/>
             <a:r>
               <a:t>Our first limitation is time. We only have between January 22</a:t>
             </a:r>
@@ -940,7 +1001,7 @@
 </file>
 
 <file path=ppt/slideLayouts/slideLayout1.xml><?xml version="1.0" encoding="utf-8"?>
-<p:sldLayout xmlns:a="http://schemas.openxmlformats.org/drawingml/2006/main" xmlns:r="http://schemas.openxmlformats.org/officeDocument/2006/relationships" xmlns:p="http://schemas.openxmlformats.org/presentationml/2006/main" xmlns:m="http://schemas.openxmlformats.org/officeDocument/2006/math" xmlns:a14="http://schemas.microsoft.com/office/drawing/2010/main" type="title" showMasterSp="1" showMasterPhAnim="1">
+<p:sldLayout xmlns:a="http://schemas.openxmlformats.org/drawingml/2006/main" xmlns:r="http://schemas.openxmlformats.org/officeDocument/2006/relationships" xmlns:p="http://schemas.openxmlformats.org/presentationml/2006/main" type="title">
   <p:cSld name="Title Slide">
     <p:spTree>
       <p:nvGrpSpPr>
@@ -959,7 +1020,9 @@
       <p:sp>
         <p:nvSpPr>
           <p:cNvPr id="11" name="Title Text"/>
-          <p:cNvSpPr txBox="1"/>
+          <p:cNvSpPr txBox="1">
+            <a:spLocks noGrp="1"/>
+          </p:cNvSpPr>
           <p:nvPr>
             <p:ph type="title"/>
           </p:nvPr>
@@ -981,7 +1044,6 @@
             </a:lvl1pPr>
           </a:lstStyle>
           <a:p>
-            <a:pPr/>
             <a:r>
               <a:t>Title Text</a:t>
             </a:r>
@@ -991,7 +1053,9 @@
       <p:sp>
         <p:nvSpPr>
           <p:cNvPr id="12" name="Body Level One…"/>
-          <p:cNvSpPr txBox="1"/>
+          <p:cNvSpPr txBox="1">
+            <a:spLocks noGrp="1"/>
+          </p:cNvSpPr>
           <p:nvPr>
             <p:ph type="body" sz="quarter" idx="1"/>
           </p:nvPr>
@@ -1040,7 +1104,6 @@
             </a:lvl5pPr>
           </a:lstStyle>
           <a:p>
-            <a:pPr/>
             <a:r>
               <a:t>Body Level One</a:t>
             </a:r>
@@ -1074,7 +1137,9 @@
       <p:sp>
         <p:nvSpPr>
           <p:cNvPr id="13" name="Slide Number"/>
-          <p:cNvSpPr txBox="1"/>
+          <p:cNvSpPr txBox="1">
+            <a:spLocks noGrp="1"/>
+          </p:cNvSpPr>
           <p:nvPr>
             <p:ph type="sldNum" sz="quarter" idx="2"/>
           </p:nvPr>
@@ -1088,8 +1153,10 @@
           <a:bodyPr/>
           <a:lstStyle/>
           <a:p>
-            <a:pPr/>
-            <a:fld id="{86CB4B4D-7CA3-9044-876B-883B54F8677D}" type="slidenum"/>
+            <a:fld id="{86CB4B4D-7CA3-9044-876B-883B54F8677D}" type="slidenum">
+              <a:t>‹#›</a:t>
+            </a:fld>
+            <a:endParaRPr/>
           </a:p>
         </p:txBody>
       </p:sp>
@@ -1098,12 +1165,12 @@
   <p:clrMapOvr>
     <a:masterClrMapping/>
   </p:clrMapOvr>
-  <p:transition xmlns:p14="http://schemas.microsoft.com/office/powerpoint/2010/main" spd="med" advClick="1"/>
+  <p:transition spd="med"/>
 </p:sldLayout>
 </file>
 
 <file path=ppt/slideLayouts/slideLayout2.xml><?xml version="1.0" encoding="utf-8"?>
-<p:sldLayout xmlns:a="http://schemas.openxmlformats.org/drawingml/2006/main" xmlns:r="http://schemas.openxmlformats.org/officeDocument/2006/relationships" xmlns:p="http://schemas.openxmlformats.org/presentationml/2006/main" xmlns:m="http://schemas.openxmlformats.org/officeDocument/2006/math" xmlns:a14="http://schemas.microsoft.com/office/drawing/2010/main" type="tx" showMasterSp="1" showMasterPhAnim="1">
+<p:sldLayout xmlns:a="http://schemas.openxmlformats.org/drawingml/2006/main" xmlns:r="http://schemas.openxmlformats.org/officeDocument/2006/relationships" xmlns:p="http://schemas.openxmlformats.org/presentationml/2006/main" type="tx">
   <p:cSld name="Title and Content">
     <p:spTree>
       <p:nvGrpSpPr>
@@ -1122,7 +1189,9 @@
       <p:sp>
         <p:nvSpPr>
           <p:cNvPr id="20" name="Title Text"/>
-          <p:cNvSpPr txBox="1"/>
+          <p:cNvSpPr txBox="1">
+            <a:spLocks noGrp="1"/>
+          </p:cNvSpPr>
           <p:nvPr>
             <p:ph type="title"/>
           </p:nvPr>
@@ -1136,7 +1205,6 @@
           <a:bodyPr/>
           <a:lstStyle/>
           <a:p>
-            <a:pPr/>
             <a:r>
               <a:t>Title Text</a:t>
             </a:r>
@@ -1146,7 +1214,9 @@
       <p:sp>
         <p:nvSpPr>
           <p:cNvPr id="21" name="Body Level One…"/>
-          <p:cNvSpPr txBox="1"/>
+          <p:cNvSpPr txBox="1">
+            <a:spLocks noGrp="1"/>
+          </p:cNvSpPr>
           <p:nvPr>
             <p:ph type="body" idx="1"/>
           </p:nvPr>
@@ -1160,7 +1230,6 @@
           <a:bodyPr/>
           <a:lstStyle/>
           <a:p>
-            <a:pPr/>
             <a:r>
               <a:t>Body Level One</a:t>
             </a:r>
@@ -1194,7 +1263,9 @@
       <p:sp>
         <p:nvSpPr>
           <p:cNvPr id="22" name="Slide Number"/>
-          <p:cNvSpPr txBox="1"/>
+          <p:cNvSpPr txBox="1">
+            <a:spLocks noGrp="1"/>
+          </p:cNvSpPr>
           <p:nvPr>
             <p:ph type="sldNum" sz="quarter" idx="2"/>
           </p:nvPr>
@@ -1208,8 +1279,10 @@
           <a:bodyPr/>
           <a:lstStyle/>
           <a:p>
-            <a:pPr/>
-            <a:fld id="{86CB4B4D-7CA3-9044-876B-883B54F8677D}" type="slidenum"/>
+            <a:fld id="{86CB4B4D-7CA3-9044-876B-883B54F8677D}" type="slidenum">
+              <a:t>‹#›</a:t>
+            </a:fld>
+            <a:endParaRPr/>
           </a:p>
         </p:txBody>
       </p:sp>
@@ -1218,12 +1291,12 @@
   <p:clrMapOvr>
     <a:masterClrMapping/>
   </p:clrMapOvr>
-  <p:transition xmlns:p14="http://schemas.microsoft.com/office/powerpoint/2010/main" spd="med" advClick="1"/>
+  <p:transition spd="med"/>
 </p:sldLayout>
 </file>
 
 <file path=ppt/slideLayouts/slideLayout3.xml><?xml version="1.0" encoding="utf-8"?>
-<p:sldLayout xmlns:a="http://schemas.openxmlformats.org/drawingml/2006/main" xmlns:r="http://schemas.openxmlformats.org/officeDocument/2006/relationships" xmlns:p="http://schemas.openxmlformats.org/presentationml/2006/main" xmlns:m="http://schemas.openxmlformats.org/officeDocument/2006/math" xmlns:a14="http://schemas.microsoft.com/office/drawing/2010/main" type="tx" showMasterSp="1" showMasterPhAnim="1">
+<p:sldLayout xmlns:a="http://schemas.openxmlformats.org/drawingml/2006/main" xmlns:r="http://schemas.openxmlformats.org/officeDocument/2006/relationships" xmlns:p="http://schemas.openxmlformats.org/presentationml/2006/main" type="tx">
   <p:cSld name="Section Header">
     <p:spTree>
       <p:nvGrpSpPr>
@@ -1242,7 +1315,9 @@
       <p:sp>
         <p:nvSpPr>
           <p:cNvPr id="29" name="Title Text"/>
-          <p:cNvSpPr txBox="1"/>
+          <p:cNvSpPr txBox="1">
+            <a:spLocks noGrp="1"/>
+          </p:cNvSpPr>
           <p:nvPr>
             <p:ph type="title"/>
           </p:nvPr>
@@ -1264,7 +1339,6 @@
             </a:lvl1pPr>
           </a:lstStyle>
           <a:p>
-            <a:pPr/>
             <a:r>
               <a:t>Title Text</a:t>
             </a:r>
@@ -1274,7 +1348,9 @@
       <p:sp>
         <p:nvSpPr>
           <p:cNvPr id="30" name="Body Level One…"/>
-          <p:cNvSpPr txBox="1"/>
+          <p:cNvSpPr txBox="1">
+            <a:spLocks noGrp="1"/>
+          </p:cNvSpPr>
           <p:nvPr>
             <p:ph type="body" sz="quarter" idx="1"/>
           </p:nvPr>
@@ -1343,7 +1419,6 @@
             </a:lvl5pPr>
           </a:lstStyle>
           <a:p>
-            <a:pPr/>
             <a:r>
               <a:t>Body Level One</a:t>
             </a:r>
@@ -1377,7 +1452,9 @@
       <p:sp>
         <p:nvSpPr>
           <p:cNvPr id="31" name="Slide Number"/>
-          <p:cNvSpPr txBox="1"/>
+          <p:cNvSpPr txBox="1">
+            <a:spLocks noGrp="1"/>
+          </p:cNvSpPr>
           <p:nvPr>
             <p:ph type="sldNum" sz="quarter" idx="2"/>
           </p:nvPr>
@@ -1391,8 +1468,10 @@
           <a:bodyPr/>
           <a:lstStyle/>
           <a:p>
-            <a:pPr/>
-            <a:fld id="{86CB4B4D-7CA3-9044-876B-883B54F8677D}" type="slidenum"/>
+            <a:fld id="{86CB4B4D-7CA3-9044-876B-883B54F8677D}" type="slidenum">
+              <a:t>‹#›</a:t>
+            </a:fld>
+            <a:endParaRPr/>
           </a:p>
         </p:txBody>
       </p:sp>
@@ -1401,12 +1480,12 @@
   <p:clrMapOvr>
     <a:masterClrMapping/>
   </p:clrMapOvr>
-  <p:transition xmlns:p14="http://schemas.microsoft.com/office/powerpoint/2010/main" spd="med" advClick="1"/>
+  <p:transition spd="med"/>
 </p:sldLayout>
 </file>
 
 <file path=ppt/slideLayouts/slideLayout4.xml><?xml version="1.0" encoding="utf-8"?>
-<p:sldLayout xmlns:a="http://schemas.openxmlformats.org/drawingml/2006/main" xmlns:r="http://schemas.openxmlformats.org/officeDocument/2006/relationships" xmlns:p="http://schemas.openxmlformats.org/presentationml/2006/main" xmlns:m="http://schemas.openxmlformats.org/officeDocument/2006/math" xmlns:a14="http://schemas.microsoft.com/office/drawing/2010/main" type="tx" showMasterSp="1" showMasterPhAnim="1">
+<p:sldLayout xmlns:a="http://schemas.openxmlformats.org/drawingml/2006/main" xmlns:r="http://schemas.openxmlformats.org/officeDocument/2006/relationships" xmlns:p="http://schemas.openxmlformats.org/presentationml/2006/main" type="tx">
   <p:cSld name="Two Content">
     <p:spTree>
       <p:nvGrpSpPr>
@@ -1425,7 +1504,9 @@
       <p:sp>
         <p:nvSpPr>
           <p:cNvPr id="38" name="Title Text"/>
-          <p:cNvSpPr txBox="1"/>
+          <p:cNvSpPr txBox="1">
+            <a:spLocks noGrp="1"/>
+          </p:cNvSpPr>
           <p:nvPr>
             <p:ph type="title"/>
           </p:nvPr>
@@ -1439,7 +1520,6 @@
           <a:bodyPr/>
           <a:lstStyle/>
           <a:p>
-            <a:pPr/>
             <a:r>
               <a:t>Title Text</a:t>
             </a:r>
@@ -1449,7 +1529,9 @@
       <p:sp>
         <p:nvSpPr>
           <p:cNvPr id="39" name="Body Level One…"/>
-          <p:cNvSpPr txBox="1"/>
+          <p:cNvSpPr txBox="1">
+            <a:spLocks noGrp="1"/>
+          </p:cNvSpPr>
           <p:nvPr>
             <p:ph type="body" sz="half" idx="1"/>
           </p:nvPr>
@@ -1467,7 +1549,6 @@
           <a:bodyPr/>
           <a:lstStyle/>
           <a:p>
-            <a:pPr/>
             <a:r>
               <a:t>Body Level One</a:t>
             </a:r>
@@ -1501,7 +1582,9 @@
       <p:sp>
         <p:nvSpPr>
           <p:cNvPr id="40" name="Slide Number"/>
-          <p:cNvSpPr txBox="1"/>
+          <p:cNvSpPr txBox="1">
+            <a:spLocks noGrp="1"/>
+          </p:cNvSpPr>
           <p:nvPr>
             <p:ph type="sldNum" sz="quarter" idx="2"/>
           </p:nvPr>
@@ -1515,8 +1598,10 @@
           <a:bodyPr/>
           <a:lstStyle/>
           <a:p>
-            <a:pPr/>
-            <a:fld id="{86CB4B4D-7CA3-9044-876B-883B54F8677D}" type="slidenum"/>
+            <a:fld id="{86CB4B4D-7CA3-9044-876B-883B54F8677D}" type="slidenum">
+              <a:t>‹#›</a:t>
+            </a:fld>
+            <a:endParaRPr/>
           </a:p>
         </p:txBody>
       </p:sp>
@@ -1525,12 +1610,12 @@
   <p:clrMapOvr>
     <a:masterClrMapping/>
   </p:clrMapOvr>
-  <p:transition xmlns:p14="http://schemas.microsoft.com/office/powerpoint/2010/main" spd="med" advClick="1"/>
+  <p:transition spd="med"/>
 </p:sldLayout>
 </file>
 
 <file path=ppt/slideLayouts/slideLayout5.xml><?xml version="1.0" encoding="utf-8"?>
-<p:sldLayout xmlns:a="http://schemas.openxmlformats.org/drawingml/2006/main" xmlns:r="http://schemas.openxmlformats.org/officeDocument/2006/relationships" xmlns:p="http://schemas.openxmlformats.org/presentationml/2006/main" xmlns:m="http://schemas.openxmlformats.org/officeDocument/2006/math" xmlns:a14="http://schemas.microsoft.com/office/drawing/2010/main" type="tx" showMasterSp="1" showMasterPhAnim="1">
+<p:sldLayout xmlns:a="http://schemas.openxmlformats.org/drawingml/2006/main" xmlns:r="http://schemas.openxmlformats.org/officeDocument/2006/relationships" xmlns:p="http://schemas.openxmlformats.org/presentationml/2006/main" type="tx">
   <p:cSld name="Comparison">
     <p:spTree>
       <p:nvGrpSpPr>
@@ -1549,7 +1634,9 @@
       <p:sp>
         <p:nvSpPr>
           <p:cNvPr id="47" name="Title Text"/>
-          <p:cNvSpPr txBox="1"/>
+          <p:cNvSpPr txBox="1">
+            <a:spLocks noGrp="1"/>
+          </p:cNvSpPr>
           <p:nvPr>
             <p:ph type="title"/>
           </p:nvPr>
@@ -1567,7 +1654,6 @@
           <a:bodyPr/>
           <a:lstStyle/>
           <a:p>
-            <a:pPr/>
             <a:r>
               <a:t>Title Text</a:t>
             </a:r>
@@ -1577,7 +1663,9 @@
       <p:sp>
         <p:nvSpPr>
           <p:cNvPr id="48" name="Body Level One…"/>
-          <p:cNvSpPr txBox="1"/>
+          <p:cNvSpPr txBox="1">
+            <a:spLocks noGrp="1"/>
+          </p:cNvSpPr>
           <p:nvPr>
             <p:ph type="body" sz="quarter" idx="1"/>
           </p:nvPr>
@@ -1598,35 +1686,34 @@
               <a:buSzTx/>
               <a:buFontTx/>
               <a:buNone/>
-              <a:defRPr b="1" sz="2400"/>
+              <a:defRPr sz="2400" b="1"/>
             </a:lvl1pPr>
             <a:lvl2pPr marL="0" indent="457200">
               <a:buSzTx/>
               <a:buFontTx/>
               <a:buNone/>
-              <a:defRPr b="1" sz="2400"/>
+              <a:defRPr sz="2400" b="1"/>
             </a:lvl2pPr>
             <a:lvl3pPr marL="0" indent="914400">
               <a:buSzTx/>
               <a:buFontTx/>
               <a:buNone/>
-              <a:defRPr b="1" sz="2400"/>
+              <a:defRPr sz="2400" b="1"/>
             </a:lvl3pPr>
             <a:lvl4pPr marL="0" indent="1371600">
               <a:buSzTx/>
               <a:buFontTx/>
               <a:buNone/>
-              <a:defRPr b="1" sz="2400"/>
+              <a:defRPr sz="2400" b="1"/>
             </a:lvl4pPr>
             <a:lvl5pPr marL="0" indent="1828800">
               <a:buSzTx/>
               <a:buFontTx/>
               <a:buNone/>
-              <a:defRPr b="1" sz="2400"/>
+              <a:defRPr sz="2400" b="1"/>
             </a:lvl5pPr>
           </a:lstStyle>
           <a:p>
-            <a:pPr/>
             <a:r>
               <a:t>Body Level One</a:t>
             </a:r>
@@ -1660,7 +1747,9 @@
       <p:sp>
         <p:nvSpPr>
           <p:cNvPr id="49" name="Text Placeholder 4"/>
-          <p:cNvSpPr/>
+          <p:cNvSpPr>
+            <a:spLocks noGrp="1"/>
+          </p:cNvSpPr>
           <p:nvPr>
             <p:ph type="body" sz="quarter" idx="21"/>
           </p:nvPr>
@@ -1682,15 +1771,18 @@
               <a:buSzTx/>
               <a:buFontTx/>
               <a:buNone/>
-              <a:defRPr b="1" sz="2400"/>
+              <a:defRPr sz="2400" b="1"/>
             </a:pPr>
+            <a:endParaRPr/>
           </a:p>
         </p:txBody>
       </p:sp>
       <p:sp>
         <p:nvSpPr>
           <p:cNvPr id="50" name="Slide Number"/>
-          <p:cNvSpPr txBox="1"/>
+          <p:cNvSpPr txBox="1">
+            <a:spLocks noGrp="1"/>
+          </p:cNvSpPr>
           <p:nvPr>
             <p:ph type="sldNum" sz="quarter" idx="2"/>
           </p:nvPr>
@@ -1704,8 +1796,10 @@
           <a:bodyPr/>
           <a:lstStyle/>
           <a:p>
-            <a:pPr/>
-            <a:fld id="{86CB4B4D-7CA3-9044-876B-883B54F8677D}" type="slidenum"/>
+            <a:fld id="{86CB4B4D-7CA3-9044-876B-883B54F8677D}" type="slidenum">
+              <a:t>‹#›</a:t>
+            </a:fld>
+            <a:endParaRPr/>
           </a:p>
         </p:txBody>
       </p:sp>
@@ -1714,12 +1808,12 @@
   <p:clrMapOvr>
     <a:masterClrMapping/>
   </p:clrMapOvr>
-  <p:transition xmlns:p14="http://schemas.microsoft.com/office/powerpoint/2010/main" spd="med" advClick="1"/>
+  <p:transition spd="med"/>
 </p:sldLayout>
 </file>
 
 <file path=ppt/slideLayouts/slideLayout6.xml><?xml version="1.0" encoding="utf-8"?>
-<p:sldLayout xmlns:a="http://schemas.openxmlformats.org/drawingml/2006/main" xmlns:r="http://schemas.openxmlformats.org/officeDocument/2006/relationships" xmlns:p="http://schemas.openxmlformats.org/presentationml/2006/main" xmlns:m="http://schemas.openxmlformats.org/officeDocument/2006/math" xmlns:a14="http://schemas.microsoft.com/office/drawing/2010/main" type="tx" showMasterSp="1" showMasterPhAnim="1">
+<p:sldLayout xmlns:a="http://schemas.openxmlformats.org/drawingml/2006/main" xmlns:r="http://schemas.openxmlformats.org/officeDocument/2006/relationships" xmlns:p="http://schemas.openxmlformats.org/presentationml/2006/main" type="tx">
   <p:cSld name="Title Only">
     <p:spTree>
       <p:nvGrpSpPr>
@@ -1738,7 +1832,9 @@
       <p:sp>
         <p:nvSpPr>
           <p:cNvPr id="57" name="Title Text"/>
-          <p:cNvSpPr txBox="1"/>
+          <p:cNvSpPr txBox="1">
+            <a:spLocks noGrp="1"/>
+          </p:cNvSpPr>
           <p:nvPr>
             <p:ph type="title"/>
           </p:nvPr>
@@ -1752,7 +1848,6 @@
           <a:bodyPr/>
           <a:lstStyle/>
           <a:p>
-            <a:pPr/>
             <a:r>
               <a:t>Title Text</a:t>
             </a:r>
@@ -1762,7 +1857,9 @@
       <p:sp>
         <p:nvSpPr>
           <p:cNvPr id="58" name="Slide Number"/>
-          <p:cNvSpPr txBox="1"/>
+          <p:cNvSpPr txBox="1">
+            <a:spLocks noGrp="1"/>
+          </p:cNvSpPr>
           <p:nvPr>
             <p:ph type="sldNum" sz="quarter" idx="2"/>
           </p:nvPr>
@@ -1776,8 +1873,10 @@
           <a:bodyPr/>
           <a:lstStyle/>
           <a:p>
-            <a:pPr/>
-            <a:fld id="{86CB4B4D-7CA3-9044-876B-883B54F8677D}" type="slidenum"/>
+            <a:fld id="{86CB4B4D-7CA3-9044-876B-883B54F8677D}" type="slidenum">
+              <a:t>‹#›</a:t>
+            </a:fld>
+            <a:endParaRPr/>
           </a:p>
         </p:txBody>
       </p:sp>
@@ -1786,12 +1885,12 @@
   <p:clrMapOvr>
     <a:masterClrMapping/>
   </p:clrMapOvr>
-  <p:transition xmlns:p14="http://schemas.microsoft.com/office/powerpoint/2010/main" spd="med" advClick="1"/>
+  <p:transition spd="med"/>
 </p:sldLayout>
 </file>
 
 <file path=ppt/slideLayouts/slideLayout7.xml><?xml version="1.0" encoding="utf-8"?>
-<p:sldLayout xmlns:a="http://schemas.openxmlformats.org/drawingml/2006/main" xmlns:r="http://schemas.openxmlformats.org/officeDocument/2006/relationships" xmlns:p="http://schemas.openxmlformats.org/presentationml/2006/main" xmlns:m="http://schemas.openxmlformats.org/officeDocument/2006/math" xmlns:a14="http://schemas.microsoft.com/office/drawing/2010/main" type="tx" showMasterSp="1" showMasterPhAnim="1">
+<p:sldLayout xmlns:a="http://schemas.openxmlformats.org/drawingml/2006/main" xmlns:r="http://schemas.openxmlformats.org/officeDocument/2006/relationships" xmlns:p="http://schemas.openxmlformats.org/presentationml/2006/main" type="tx">
   <p:cSld name="Blank">
     <p:spTree>
       <p:nvGrpSpPr>
@@ -1810,7 +1909,9 @@
       <p:sp>
         <p:nvSpPr>
           <p:cNvPr id="65" name="Slide Number"/>
-          <p:cNvSpPr txBox="1"/>
+          <p:cNvSpPr txBox="1">
+            <a:spLocks noGrp="1"/>
+          </p:cNvSpPr>
           <p:nvPr>
             <p:ph type="sldNum" sz="quarter" idx="2"/>
           </p:nvPr>
@@ -1824,8 +1925,10 @@
           <a:bodyPr/>
           <a:lstStyle/>
           <a:p>
-            <a:pPr/>
-            <a:fld id="{86CB4B4D-7CA3-9044-876B-883B54F8677D}" type="slidenum"/>
+            <a:fld id="{86CB4B4D-7CA3-9044-876B-883B54F8677D}" type="slidenum">
+              <a:t>‹#›</a:t>
+            </a:fld>
+            <a:endParaRPr/>
           </a:p>
         </p:txBody>
       </p:sp>
@@ -1834,12 +1937,12 @@
   <p:clrMapOvr>
     <a:masterClrMapping/>
   </p:clrMapOvr>
-  <p:transition xmlns:p14="http://schemas.microsoft.com/office/powerpoint/2010/main" spd="med" advClick="1"/>
+  <p:transition spd="med"/>
 </p:sldLayout>
 </file>
 
 <file path=ppt/slideLayouts/slideLayout8.xml><?xml version="1.0" encoding="utf-8"?>
-<p:sldLayout xmlns:a="http://schemas.openxmlformats.org/drawingml/2006/main" xmlns:r="http://schemas.openxmlformats.org/officeDocument/2006/relationships" xmlns:p="http://schemas.openxmlformats.org/presentationml/2006/main" xmlns:m="http://schemas.openxmlformats.org/officeDocument/2006/math" xmlns:a14="http://schemas.microsoft.com/office/drawing/2010/main" type="tx" showMasterSp="1" showMasterPhAnim="1">
+<p:sldLayout xmlns:a="http://schemas.openxmlformats.org/drawingml/2006/main" xmlns:r="http://schemas.openxmlformats.org/officeDocument/2006/relationships" xmlns:p="http://schemas.openxmlformats.org/presentationml/2006/main" type="tx">
   <p:cSld name="Content with Caption">
     <p:spTree>
       <p:nvGrpSpPr>
@@ -1858,7 +1961,9 @@
       <p:sp>
         <p:nvSpPr>
           <p:cNvPr id="72" name="Title Text"/>
-          <p:cNvSpPr txBox="1"/>
+          <p:cNvSpPr txBox="1">
+            <a:spLocks noGrp="1"/>
+          </p:cNvSpPr>
           <p:nvPr>
             <p:ph type="title"/>
           </p:nvPr>
@@ -1880,7 +1985,6 @@
             </a:lvl1pPr>
           </a:lstStyle>
           <a:p>
-            <a:pPr/>
             <a:r>
               <a:t>Title Text</a:t>
             </a:r>
@@ -1890,7 +1994,9 @@
       <p:sp>
         <p:nvSpPr>
           <p:cNvPr id="73" name="Body Level One…"/>
-          <p:cNvSpPr txBox="1"/>
+          <p:cNvSpPr txBox="1">
+            <a:spLocks noGrp="1"/>
+          </p:cNvSpPr>
           <p:nvPr>
             <p:ph type="body" sz="half" idx="1"/>
           </p:nvPr>
@@ -1924,7 +2030,6 @@
             </a:lvl5pPr>
           </a:lstStyle>
           <a:p>
-            <a:pPr/>
             <a:r>
               <a:t>Body Level One</a:t>
             </a:r>
@@ -1958,7 +2063,9 @@
       <p:sp>
         <p:nvSpPr>
           <p:cNvPr id="74" name="Text Placeholder 3"/>
-          <p:cNvSpPr/>
+          <p:cNvSpPr>
+            <a:spLocks noGrp="1"/>
+          </p:cNvSpPr>
           <p:nvPr>
             <p:ph type="body" sz="quarter" idx="21"/>
           </p:nvPr>
@@ -1982,13 +2089,16 @@
               <a:buNone/>
               <a:defRPr sz="1600"/>
             </a:pPr>
+            <a:endParaRPr/>
           </a:p>
         </p:txBody>
       </p:sp>
       <p:sp>
         <p:nvSpPr>
           <p:cNvPr id="75" name="Slide Number"/>
-          <p:cNvSpPr txBox="1"/>
+          <p:cNvSpPr txBox="1">
+            <a:spLocks noGrp="1"/>
+          </p:cNvSpPr>
           <p:nvPr>
             <p:ph type="sldNum" sz="quarter" idx="2"/>
           </p:nvPr>
@@ -2002,8 +2112,10 @@
           <a:bodyPr/>
           <a:lstStyle/>
           <a:p>
-            <a:pPr/>
-            <a:fld id="{86CB4B4D-7CA3-9044-876B-883B54F8677D}" type="slidenum"/>
+            <a:fld id="{86CB4B4D-7CA3-9044-876B-883B54F8677D}" type="slidenum">
+              <a:t>‹#›</a:t>
+            </a:fld>
+            <a:endParaRPr/>
           </a:p>
         </p:txBody>
       </p:sp>
@@ -2012,12 +2124,12 @@
   <p:clrMapOvr>
     <a:masterClrMapping/>
   </p:clrMapOvr>
-  <p:transition xmlns:p14="http://schemas.microsoft.com/office/powerpoint/2010/main" spd="med" advClick="1"/>
+  <p:transition spd="med"/>
 </p:sldLayout>
 </file>
 
 <file path=ppt/slideLayouts/slideLayout9.xml><?xml version="1.0" encoding="utf-8"?>
-<p:sldLayout xmlns:a="http://schemas.openxmlformats.org/drawingml/2006/main" xmlns:r="http://schemas.openxmlformats.org/officeDocument/2006/relationships" xmlns:p="http://schemas.openxmlformats.org/presentationml/2006/main" xmlns:m="http://schemas.openxmlformats.org/officeDocument/2006/math" xmlns:a14="http://schemas.microsoft.com/office/drawing/2010/main" type="tx" showMasterSp="1" showMasterPhAnim="1">
+<p:sldLayout xmlns:a="http://schemas.openxmlformats.org/drawingml/2006/main" xmlns:r="http://schemas.openxmlformats.org/officeDocument/2006/relationships" xmlns:p="http://schemas.openxmlformats.org/presentationml/2006/main" type="tx">
   <p:cSld name="Picture with Caption">
     <p:spTree>
       <p:nvGrpSpPr>
@@ -2036,7 +2148,9 @@
       <p:sp>
         <p:nvSpPr>
           <p:cNvPr id="82" name="Title Text"/>
-          <p:cNvSpPr txBox="1"/>
+          <p:cNvSpPr txBox="1">
+            <a:spLocks noGrp="1"/>
+          </p:cNvSpPr>
           <p:nvPr>
             <p:ph type="title"/>
           </p:nvPr>
@@ -2058,7 +2172,6 @@
             </a:lvl1pPr>
           </a:lstStyle>
           <a:p>
-            <a:pPr/>
             <a:r>
               <a:t>Title Text</a:t>
             </a:r>
@@ -2068,7 +2181,9 @@
       <p:sp>
         <p:nvSpPr>
           <p:cNvPr id="83" name="Picture Placeholder 2"/>
-          <p:cNvSpPr/>
+          <p:cNvSpPr>
+            <a:spLocks noGrp="1"/>
+          </p:cNvSpPr>
           <p:nvPr>
             <p:ph type="pic" sz="half" idx="21"/>
           </p:nvPr>
@@ -2088,14 +2203,16 @@
           </a:bodyPr>
           <a:lstStyle/>
           <a:p>
-            <a:pPr/>
+            <a:endParaRPr/>
           </a:p>
         </p:txBody>
       </p:sp>
       <p:sp>
         <p:nvSpPr>
           <p:cNvPr id="84" name="Body Level One…"/>
-          <p:cNvSpPr txBox="1"/>
+          <p:cNvSpPr txBox="1">
+            <a:spLocks noGrp="1"/>
+          </p:cNvSpPr>
           <p:nvPr>
             <p:ph type="body" sz="quarter" idx="1"/>
           </p:nvPr>
@@ -2144,7 +2261,6 @@
             </a:lvl5pPr>
           </a:lstStyle>
           <a:p>
-            <a:pPr/>
             <a:r>
               <a:t>Body Level One</a:t>
             </a:r>
@@ -2178,7 +2294,9 @@
       <p:sp>
         <p:nvSpPr>
           <p:cNvPr id="85" name="Slide Number"/>
-          <p:cNvSpPr txBox="1"/>
+          <p:cNvSpPr txBox="1">
+            <a:spLocks noGrp="1"/>
+          </p:cNvSpPr>
           <p:nvPr>
             <p:ph type="sldNum" sz="quarter" idx="2"/>
           </p:nvPr>
@@ -2192,8 +2310,10 @@
           <a:bodyPr/>
           <a:lstStyle/>
           <a:p>
-            <a:pPr/>
-            <a:fld id="{86CB4B4D-7CA3-9044-876B-883B54F8677D}" type="slidenum"/>
+            <a:fld id="{86CB4B4D-7CA3-9044-876B-883B54F8677D}" type="slidenum">
+              <a:t>‹#›</a:t>
+            </a:fld>
+            <a:endParaRPr/>
           </a:p>
         </p:txBody>
       </p:sp>
@@ -2202,18 +2322,19 @@
   <p:clrMapOvr>
     <a:masterClrMapping/>
   </p:clrMapOvr>
-  <p:transition xmlns:p14="http://schemas.microsoft.com/office/powerpoint/2010/main" spd="med" advClick="1"/>
+  <p:transition spd="med"/>
 </p:sldLayout>
 </file>
 
 <file path=ppt/slideMasters/slideMaster1.xml><?xml version="1.0" encoding="utf-8"?>
-<p:sldMaster xmlns:a="http://schemas.openxmlformats.org/drawingml/2006/main" xmlns:r="http://schemas.openxmlformats.org/officeDocument/2006/relationships" xmlns:p="http://schemas.openxmlformats.org/presentationml/2006/main" xmlns:m="http://schemas.openxmlformats.org/officeDocument/2006/math" xmlns:a14="http://schemas.microsoft.com/office/drawing/2010/main">
+<p:sldMaster xmlns:a="http://schemas.openxmlformats.org/drawingml/2006/main" xmlns:r="http://schemas.openxmlformats.org/officeDocument/2006/relationships" xmlns:p="http://schemas.openxmlformats.org/presentationml/2006/main">
   <p:cSld>
     <p:bg>
       <p:bgPr>
         <a:solidFill>
           <a:srgbClr val="FFFFFF"/>
         </a:solidFill>
+        <a:effectLst/>
       </p:bgPr>
     </p:bg>
     <p:spTree>
@@ -2233,7 +2354,9 @@
       <p:sp>
         <p:nvSpPr>
           <p:cNvPr id="2" name="Title Text"/>
-          <p:cNvSpPr txBox="1"/>
+          <p:cNvSpPr txBox="1">
+            <a:spLocks noGrp="1"/>
+          </p:cNvSpPr>
           <p:nvPr>
             <p:ph type="title"/>
           </p:nvPr>
@@ -2251,17 +2374,16 @@
           </a:ln>
           <a:extLst>
             <a:ext uri="{C572A759-6A51-4108-AA02-DFA0A04FC94B}">
-              <ma14:wrappingTextBoxFlag xmlns:ma14="http://schemas.microsoft.com/office/mac/drawingml/2011/main" val="1"/>
+              <ma14:wrappingTextBoxFlag xmlns:ma14="http://schemas.microsoft.com/office/mac/drawingml/2011/main" xmlns:a14="http://schemas.microsoft.com/office/drawing/2010/main" xmlns:m="http://schemas.openxmlformats.org/officeDocument/2006/math" xmlns="" val="1"/>
             </a:ext>
           </a:extLst>
         </p:spPr>
         <p:txBody>
           <a:bodyPr lIns="45719" rIns="45719" anchor="ctr">
-            <a:normAutofit fontScale="100000" lnSpcReduction="0"/>
+            <a:normAutofit/>
           </a:bodyPr>
           <a:lstStyle/>
           <a:p>
-            <a:pPr/>
             <a:r>
               <a:t>Title Text</a:t>
             </a:r>
@@ -2271,7 +2393,9 @@
       <p:sp>
         <p:nvSpPr>
           <p:cNvPr id="3" name="Body Level One…"/>
-          <p:cNvSpPr txBox="1"/>
+          <p:cNvSpPr txBox="1">
+            <a:spLocks noGrp="1"/>
+          </p:cNvSpPr>
           <p:nvPr>
             <p:ph type="body" idx="1"/>
           </p:nvPr>
@@ -2289,17 +2413,16 @@
           </a:ln>
           <a:extLst>
             <a:ext uri="{C572A759-6A51-4108-AA02-DFA0A04FC94B}">
-              <ma14:wrappingTextBoxFlag xmlns:ma14="http://schemas.microsoft.com/office/mac/drawingml/2011/main" val="1"/>
+              <ma14:wrappingTextBoxFlag xmlns:ma14="http://schemas.microsoft.com/office/mac/drawingml/2011/main" xmlns:a14="http://schemas.microsoft.com/office/drawing/2010/main" xmlns:m="http://schemas.openxmlformats.org/officeDocument/2006/math" xmlns="" val="1"/>
             </a:ext>
           </a:extLst>
         </p:spPr>
         <p:txBody>
           <a:bodyPr lIns="45719" rIns="45719">
-            <a:normAutofit fontScale="100000" lnSpcReduction="0"/>
+            <a:normAutofit/>
           </a:bodyPr>
           <a:lstStyle/>
           <a:p>
-            <a:pPr/>
             <a:r>
               <a:t>Body Level One</a:t>
             </a:r>
@@ -2333,7 +2456,9 @@
       <p:sp>
         <p:nvSpPr>
           <p:cNvPr id="4" name="Slide Number"/>
-          <p:cNvSpPr txBox="1"/>
+          <p:cNvSpPr txBox="1">
+            <a:spLocks noGrp="1"/>
+          </p:cNvSpPr>
           <p:nvPr>
             <p:ph type="sldNum" sz="quarter" idx="2"/>
           </p:nvPr>
@@ -2364,8 +2489,10 @@
             </a:lvl1pPr>
           </a:lstStyle>
           <a:p>
-            <a:pPr/>
-            <a:fld id="{86CB4B4D-7CA3-9044-876B-883B54F8677D}" type="slidenum"/>
+            <a:fld id="{86CB4B4D-7CA3-9044-876B-883B54F8677D}" type="slidenum">
+              <a:t>‹#›</a:t>
+            </a:fld>
+            <a:endParaRPr/>
           </a:p>
         </p:txBody>
       </p:sp>
@@ -2373,17 +2500,17 @@
   </p:cSld>
   <p:clrMap bg1="lt1" tx1="dk1" bg2="lt2" tx2="dk2" accent1="accent1" accent2="accent2" accent3="accent3" accent4="accent4" accent5="accent5" accent6="accent6" hlink="hlink" folHlink="folHlink"/>
   <p:sldLayoutIdLst>
-    <p:sldLayoutId id="2147483649" r:id="rId2"/>
-    <p:sldLayoutId id="2147483650" r:id="rId3"/>
-    <p:sldLayoutId id="2147483651" r:id="rId4"/>
-    <p:sldLayoutId id="2147483652" r:id="rId5"/>
-    <p:sldLayoutId id="2147483653" r:id="rId6"/>
-    <p:sldLayoutId id="2147483654" r:id="rId7"/>
-    <p:sldLayoutId id="2147483655" r:id="rId8"/>
-    <p:sldLayoutId id="2147483656" r:id="rId9"/>
-    <p:sldLayoutId id="2147483657" r:id="rId10"/>
+    <p:sldLayoutId id="2147483649" r:id="rId1"/>
+    <p:sldLayoutId id="2147483650" r:id="rId2"/>
+    <p:sldLayoutId id="2147483651" r:id="rId3"/>
+    <p:sldLayoutId id="2147483652" r:id="rId4"/>
+    <p:sldLayoutId id="2147483653" r:id="rId5"/>
+    <p:sldLayoutId id="2147483654" r:id="rId6"/>
+    <p:sldLayoutId id="2147483655" r:id="rId7"/>
+    <p:sldLayoutId id="2147483656" r:id="rId8"/>
+    <p:sldLayoutId id="2147483657" r:id="rId9"/>
   </p:sldLayoutIdLst>
-  <p:transition xmlns:p14="http://schemas.microsoft.com/office/powerpoint/2010/main" spd="med" advClick="1"/>
+  <p:transition spd="med"/>
   <p:txStyles>
     <p:titleStyle>
       <a:lvl1pPr marL="0" marR="0" indent="0" algn="l" defTabSz="914400" rtl="0" latinLnBrk="0">
@@ -2401,7 +2528,7 @@
         <a:buFontTx/>
         <a:buNone/>
         <a:tabLst/>
-        <a:defRPr b="0" baseline="0" cap="none" i="0" spc="0" strike="noStrike" sz="4400" u="none">
+        <a:defRPr sz="4400" b="0" i="0" u="none" strike="noStrike" cap="none" spc="0" baseline="0">
           <a:solidFill>
             <a:srgbClr val="000000"/>
           </a:solidFill>
@@ -2427,7 +2554,7 @@
         <a:buFontTx/>
         <a:buNone/>
         <a:tabLst/>
-        <a:defRPr b="0" baseline="0" cap="none" i="0" spc="0" strike="noStrike" sz="4400" u="none">
+        <a:defRPr sz="4400" b="0" i="0" u="none" strike="noStrike" cap="none" spc="0" baseline="0">
           <a:solidFill>
             <a:srgbClr val="000000"/>
           </a:solidFill>
@@ -2453,7 +2580,7 @@
         <a:buFontTx/>
         <a:buNone/>
         <a:tabLst/>
-        <a:defRPr b="0" baseline="0" cap="none" i="0" spc="0" strike="noStrike" sz="4400" u="none">
+        <a:defRPr sz="4400" b="0" i="0" u="none" strike="noStrike" cap="none" spc="0" baseline="0">
           <a:solidFill>
             <a:srgbClr val="000000"/>
           </a:solidFill>
@@ -2479,7 +2606,7 @@
         <a:buFontTx/>
         <a:buNone/>
         <a:tabLst/>
-        <a:defRPr b="0" baseline="0" cap="none" i="0" spc="0" strike="noStrike" sz="4400" u="none">
+        <a:defRPr sz="4400" b="0" i="0" u="none" strike="noStrike" cap="none" spc="0" baseline="0">
           <a:solidFill>
             <a:srgbClr val="000000"/>
           </a:solidFill>
@@ -2505,7 +2632,7 @@
         <a:buFontTx/>
         <a:buNone/>
         <a:tabLst/>
-        <a:defRPr b="0" baseline="0" cap="none" i="0" spc="0" strike="noStrike" sz="4400" u="none">
+        <a:defRPr sz="4400" b="0" i="0" u="none" strike="noStrike" cap="none" spc="0" baseline="0">
           <a:solidFill>
             <a:srgbClr val="000000"/>
           </a:solidFill>
@@ -2531,7 +2658,7 @@
         <a:buFontTx/>
         <a:buNone/>
         <a:tabLst/>
-        <a:defRPr b="0" baseline="0" cap="none" i="0" spc="0" strike="noStrike" sz="4400" u="none">
+        <a:defRPr sz="4400" b="0" i="0" u="none" strike="noStrike" cap="none" spc="0" baseline="0">
           <a:solidFill>
             <a:srgbClr val="000000"/>
           </a:solidFill>
@@ -2557,7 +2684,7 @@
         <a:buFontTx/>
         <a:buNone/>
         <a:tabLst/>
-        <a:defRPr b="0" baseline="0" cap="none" i="0" spc="0" strike="noStrike" sz="4400" u="none">
+        <a:defRPr sz="4400" b="0" i="0" u="none" strike="noStrike" cap="none" spc="0" baseline="0">
           <a:solidFill>
             <a:srgbClr val="000000"/>
           </a:solidFill>
@@ -2583,7 +2710,7 @@
         <a:buFontTx/>
         <a:buNone/>
         <a:tabLst/>
-        <a:defRPr b="0" baseline="0" cap="none" i="0" spc="0" strike="noStrike" sz="4400" u="none">
+        <a:defRPr sz="4400" b="0" i="0" u="none" strike="noStrike" cap="none" spc="0" baseline="0">
           <a:solidFill>
             <a:srgbClr val="000000"/>
           </a:solidFill>
@@ -2609,7 +2736,7 @@
         <a:buFontTx/>
         <a:buNone/>
         <a:tabLst/>
-        <a:defRPr b="0" baseline="0" cap="none" i="0" spc="0" strike="noStrike" sz="4400" u="none">
+        <a:defRPr sz="4400" b="0" i="0" u="none" strike="noStrike" cap="none" spc="0" baseline="0">
           <a:solidFill>
             <a:srgbClr val="000000"/>
           </a:solidFill>
@@ -2637,7 +2764,7 @@
         <a:buFont typeface="Arial"/>
         <a:buChar char="•"/>
         <a:tabLst/>
-        <a:defRPr b="0" baseline="0" cap="none" i="0" spc="0" strike="noStrike" sz="2800" u="none">
+        <a:defRPr sz="2800" b="0" i="0" u="none" strike="noStrike" cap="none" spc="0" baseline="0">
           <a:solidFill>
             <a:srgbClr val="000000"/>
           </a:solidFill>
@@ -2663,7 +2790,7 @@
         <a:buFont typeface="Arial"/>
         <a:buChar char="•"/>
         <a:tabLst/>
-        <a:defRPr b="0" baseline="0" cap="none" i="0" spc="0" strike="noStrike" sz="2800" u="none">
+        <a:defRPr sz="2800" b="0" i="0" u="none" strike="noStrike" cap="none" spc="0" baseline="0">
           <a:solidFill>
             <a:srgbClr val="000000"/>
           </a:solidFill>
@@ -2689,7 +2816,7 @@
         <a:buFont typeface="Arial"/>
         <a:buChar char="•"/>
         <a:tabLst/>
-        <a:defRPr b="0" baseline="0" cap="none" i="0" spc="0" strike="noStrike" sz="2800" u="none">
+        <a:defRPr sz="2800" b="0" i="0" u="none" strike="noStrike" cap="none" spc="0" baseline="0">
           <a:solidFill>
             <a:srgbClr val="000000"/>
           </a:solidFill>
@@ -2715,7 +2842,7 @@
         <a:buFont typeface="Arial"/>
         <a:buChar char="•"/>
         <a:tabLst/>
-        <a:defRPr b="0" baseline="0" cap="none" i="0" spc="0" strike="noStrike" sz="2800" u="none">
+        <a:defRPr sz="2800" b="0" i="0" u="none" strike="noStrike" cap="none" spc="0" baseline="0">
           <a:solidFill>
             <a:srgbClr val="000000"/>
           </a:solidFill>
@@ -2741,7 +2868,7 @@
         <a:buFont typeface="Arial"/>
         <a:buChar char="•"/>
         <a:tabLst/>
-        <a:defRPr b="0" baseline="0" cap="none" i="0" spc="0" strike="noStrike" sz="2800" u="none">
+        <a:defRPr sz="2800" b="0" i="0" u="none" strike="noStrike" cap="none" spc="0" baseline="0">
           <a:solidFill>
             <a:srgbClr val="000000"/>
           </a:solidFill>
@@ -2767,7 +2894,7 @@
         <a:buFont typeface="Arial"/>
         <a:buChar char="•"/>
         <a:tabLst/>
-        <a:defRPr b="0" baseline="0" cap="none" i="0" spc="0" strike="noStrike" sz="2800" u="none">
+        <a:defRPr sz="2800" b="0" i="0" u="none" strike="noStrike" cap="none" spc="0" baseline="0">
           <a:solidFill>
             <a:srgbClr val="000000"/>
           </a:solidFill>
@@ -2793,7 +2920,7 @@
         <a:buFont typeface="Arial"/>
         <a:buChar char="•"/>
         <a:tabLst/>
-        <a:defRPr b="0" baseline="0" cap="none" i="0" spc="0" strike="noStrike" sz="2800" u="none">
+        <a:defRPr sz="2800" b="0" i="0" u="none" strike="noStrike" cap="none" spc="0" baseline="0">
           <a:solidFill>
             <a:srgbClr val="000000"/>
           </a:solidFill>
@@ -2819,7 +2946,7 @@
         <a:buFont typeface="Arial"/>
         <a:buChar char="•"/>
         <a:tabLst/>
-        <a:defRPr b="0" baseline="0" cap="none" i="0" spc="0" strike="noStrike" sz="2800" u="none">
+        <a:defRPr sz="2800" b="0" i="0" u="none" strike="noStrike" cap="none" spc="0" baseline="0">
           <a:solidFill>
             <a:srgbClr val="000000"/>
           </a:solidFill>
@@ -2845,7 +2972,7 @@
         <a:buFont typeface="Arial"/>
         <a:buChar char="•"/>
         <a:tabLst/>
-        <a:defRPr b="0" baseline="0" cap="none" i="0" spc="0" strike="noStrike" sz="2800" u="none">
+        <a:defRPr sz="2800" b="0" i="0" u="none" strike="noStrike" cap="none" spc="0" baseline="0">
           <a:solidFill>
             <a:srgbClr val="000000"/>
           </a:solidFill>
@@ -2873,7 +3000,7 @@
         <a:buFontTx/>
         <a:buNone/>
         <a:tabLst/>
-        <a:defRPr b="0" baseline="0" cap="none" i="0" spc="0" strike="noStrike" sz="1200" u="none">
+        <a:defRPr sz="1200" b="0" i="0" u="none" strike="noStrike" cap="none" spc="0" baseline="0">
           <a:solidFill>
             <a:schemeClr val="tx1"/>
           </a:solidFill>
@@ -2899,7 +3026,7 @@
         <a:buFontTx/>
         <a:buNone/>
         <a:tabLst/>
-        <a:defRPr b="0" baseline="0" cap="none" i="0" spc="0" strike="noStrike" sz="1200" u="none">
+        <a:defRPr sz="1200" b="0" i="0" u="none" strike="noStrike" cap="none" spc="0" baseline="0">
           <a:solidFill>
             <a:schemeClr val="tx1"/>
           </a:solidFill>
@@ -2925,7 +3052,7 @@
         <a:buFontTx/>
         <a:buNone/>
         <a:tabLst/>
-        <a:defRPr b="0" baseline="0" cap="none" i="0" spc="0" strike="noStrike" sz="1200" u="none">
+        <a:defRPr sz="1200" b="0" i="0" u="none" strike="noStrike" cap="none" spc="0" baseline="0">
           <a:solidFill>
             <a:schemeClr val="tx1"/>
           </a:solidFill>
@@ -2951,7 +3078,7 @@
         <a:buFontTx/>
         <a:buNone/>
         <a:tabLst/>
-        <a:defRPr b="0" baseline="0" cap="none" i="0" spc="0" strike="noStrike" sz="1200" u="none">
+        <a:defRPr sz="1200" b="0" i="0" u="none" strike="noStrike" cap="none" spc="0" baseline="0">
           <a:solidFill>
             <a:schemeClr val="tx1"/>
           </a:solidFill>
@@ -2977,7 +3104,7 @@
         <a:buFontTx/>
         <a:buNone/>
         <a:tabLst/>
-        <a:defRPr b="0" baseline="0" cap="none" i="0" spc="0" strike="noStrike" sz="1200" u="none">
+        <a:defRPr sz="1200" b="0" i="0" u="none" strike="noStrike" cap="none" spc="0" baseline="0">
           <a:solidFill>
             <a:schemeClr val="tx1"/>
           </a:solidFill>
@@ -3003,7 +3130,7 @@
         <a:buFontTx/>
         <a:buNone/>
         <a:tabLst/>
-        <a:defRPr b="0" baseline="0" cap="none" i="0" spc="0" strike="noStrike" sz="1200" u="none">
+        <a:defRPr sz="1200" b="0" i="0" u="none" strike="noStrike" cap="none" spc="0" baseline="0">
           <a:solidFill>
             <a:schemeClr val="tx1"/>
           </a:solidFill>
@@ -3029,7 +3156,7 @@
         <a:buFontTx/>
         <a:buNone/>
         <a:tabLst/>
-        <a:defRPr b="0" baseline="0" cap="none" i="0" spc="0" strike="noStrike" sz="1200" u="none">
+        <a:defRPr sz="1200" b="0" i="0" u="none" strike="noStrike" cap="none" spc="0" baseline="0">
           <a:solidFill>
             <a:schemeClr val="tx1"/>
           </a:solidFill>
@@ -3055,7 +3182,7 @@
         <a:buFontTx/>
         <a:buNone/>
         <a:tabLst/>
-        <a:defRPr b="0" baseline="0" cap="none" i="0" spc="0" strike="noStrike" sz="1200" u="none">
+        <a:defRPr sz="1200" b="0" i="0" u="none" strike="noStrike" cap="none" spc="0" baseline="0">
           <a:solidFill>
             <a:schemeClr val="tx1"/>
           </a:solidFill>
@@ -3081,7 +3208,7 @@
         <a:buFontTx/>
         <a:buNone/>
         <a:tabLst/>
-        <a:defRPr b="0" baseline="0" cap="none" i="0" spc="0" strike="noStrike" sz="1200" u="none">
+        <a:defRPr sz="1200" b="0" i="0" u="none" strike="noStrike" cap="none" spc="0" baseline="0">
           <a:solidFill>
             <a:schemeClr val="tx1"/>
           </a:solidFill>
@@ -3098,7 +3225,7 @@
 </file>
 
 <file path=ppt/slides/slide1.xml><?xml version="1.0" encoding="utf-8"?>
-<p:sld xmlns:a="http://schemas.openxmlformats.org/drawingml/2006/main" xmlns:r="http://schemas.openxmlformats.org/officeDocument/2006/relationships" xmlns:p="http://schemas.openxmlformats.org/presentationml/2006/main" xmlns:m="http://schemas.openxmlformats.org/officeDocument/2006/math" xmlns:a14="http://schemas.microsoft.com/office/drawing/2010/main" showMasterSp="1" showMasterPhAnim="1">
+<p:sld xmlns:a="http://schemas.openxmlformats.org/drawingml/2006/main" xmlns:r="http://schemas.openxmlformats.org/officeDocument/2006/relationships" xmlns:p="http://schemas.openxmlformats.org/presentationml/2006/main">
   <p:cSld>
     <p:spTree>
       <p:nvGrpSpPr>
@@ -3160,6 +3287,7 @@
                 </a:solidFill>
               </a:defRPr>
             </a:pPr>
+            <a:endParaRPr/>
           </a:p>
         </p:txBody>
       </p:sp>
@@ -3172,9 +3300,7 @@
           <p:nvPr/>
         </p:nvPicPr>
         <p:blipFill>
-          <a:blip r:embed="rId3">
-            <a:extLst/>
-          </a:blip>
+          <a:blip r:embed="rId3"/>
           <a:stretch>
             <a:fillRect/>
           </a:stretch>
@@ -3195,7 +3321,9 @@
       <p:sp>
         <p:nvSpPr>
           <p:cNvPr id="96" name="Title 1"/>
-          <p:cNvSpPr txBox="1"/>
+          <p:cNvSpPr txBox="1">
+            <a:spLocks noGrp="1"/>
+          </p:cNvSpPr>
           <p:nvPr>
             <p:ph type="ctrTitle"/>
           </p:nvPr>
@@ -3233,7 +3361,9 @@
       <p:sp>
         <p:nvSpPr>
           <p:cNvPr id="97" name="Content Placeholder 2"/>
-          <p:cNvSpPr txBox="1"/>
+          <p:cNvSpPr txBox="1">
+            <a:spLocks noGrp="1"/>
+          </p:cNvSpPr>
           <p:nvPr>
             <p:ph type="subTitle" sz="quarter" idx="1"/>
           </p:nvPr>
@@ -3259,10 +3389,11 @@
             </a:lvl1pPr>
           </a:lstStyle>
           <a:p>
-            <a:pPr/>
-            <a:r>
-              <a:t>Zelle</a:t>
-            </a:r>
+            <a:r>
+              <a:rPr lang="en-US" dirty="0" err="1"/>
+              <a:t>Selva.P</a:t>
+            </a:r>
+            <a:endParaRPr dirty="0"/>
           </a:p>
         </p:txBody>
       </p:sp>
@@ -3271,12 +3402,12 @@
   <p:clrMapOvr>
     <a:masterClrMapping/>
   </p:clrMapOvr>
-  <p:transition xmlns:p14="http://schemas.microsoft.com/office/powerpoint/2010/main" spd="med" advClick="1"/>
+  <p:transition spd="med"/>
 </p:sld>
 </file>
 
 <file path=ppt/slides/slide2.xml><?xml version="1.0" encoding="utf-8"?>
-<p:sld xmlns:a="http://schemas.openxmlformats.org/drawingml/2006/main" xmlns:r="http://schemas.openxmlformats.org/officeDocument/2006/relationships" xmlns:p="http://schemas.openxmlformats.org/presentationml/2006/main" xmlns:m="http://schemas.openxmlformats.org/officeDocument/2006/math" xmlns:a14="http://schemas.microsoft.com/office/drawing/2010/main" showMasterSp="1" showMasterPhAnim="1">
+<p:sld xmlns:a="http://schemas.openxmlformats.org/drawingml/2006/main" xmlns:r="http://schemas.openxmlformats.org/officeDocument/2006/relationships" xmlns:p="http://schemas.openxmlformats.org/presentationml/2006/main">
   <p:cSld>
     <p:spTree>
       <p:nvGrpSpPr>
@@ -3324,6 +3455,7 @@
                 </a:solidFill>
               </a:defRPr>
             </a:pPr>
+            <a:endParaRPr/>
           </a:p>
         </p:txBody>
       </p:sp>
@@ -3373,6 +3505,7 @@
                 </a:solidFill>
               </a:defRPr>
             </a:pPr>
+            <a:endParaRPr/>
           </a:p>
         </p:txBody>
       </p:sp>
@@ -3385,9 +3518,7 @@
           <p:nvPr/>
         </p:nvPicPr>
         <p:blipFill>
-          <a:blip r:embed="rId3">
-            <a:extLst/>
-          </a:blip>
+          <a:blip r:embed="rId3"/>
           <a:stretch>
             <a:fillRect/>
           </a:stretch>
@@ -3408,7 +3539,9 @@
       <p:sp>
         <p:nvSpPr>
           <p:cNvPr id="104" name="Title 1"/>
-          <p:cNvSpPr txBox="1"/>
+          <p:cNvSpPr txBox="1">
+            <a:spLocks noGrp="1"/>
+          </p:cNvSpPr>
           <p:nvPr>
             <p:ph type="title"/>
           </p:nvPr>
@@ -3434,7 +3567,6 @@
             </a:lvl1pPr>
           </a:lstStyle>
           <a:p>
-            <a:pPr/>
             <a:r>
               <a:t>System Requirements</a:t>
             </a:r>
@@ -3444,7 +3576,9 @@
       <p:sp>
         <p:nvSpPr>
           <p:cNvPr id="105" name="Content Placeholder 2"/>
-          <p:cNvSpPr txBox="1"/>
+          <p:cNvSpPr txBox="1">
+            <a:spLocks noGrp="1"/>
+          </p:cNvSpPr>
           <p:nvPr>
             <p:ph type="body" sz="half" idx="1"/>
           </p:nvPr>
@@ -3465,7 +3599,7 @@
             <a:pPr marL="0" indent="0">
               <a:buSzTx/>
               <a:buNone/>
-              <a:defRPr i="1" sz="2400"/>
+              <a:defRPr sz="2400" i="1"/>
             </a:pPr>
             <a:r>
               <a:t>Two Functional Requirements</a:t>
@@ -3491,12 +3625,13 @@
             <a:pPr>
               <a:defRPr sz="2400"/>
             </a:pPr>
+            <a:endParaRPr/>
           </a:p>
           <a:p>
             <a:pPr marL="0" indent="0">
               <a:buSzTx/>
               <a:buNone/>
-              <a:defRPr i="1" sz="2400"/>
+              <a:defRPr sz="2400" i="1"/>
             </a:pPr>
             <a:r>
               <a:t>Two Nonfunctional Requirements</a:t>
@@ -3525,12 +3660,12 @@
   <p:clrMapOvr>
     <a:masterClrMapping/>
   </p:clrMapOvr>
-  <p:transition xmlns:p14="http://schemas.microsoft.com/office/powerpoint/2010/main" spd="med" advClick="1"/>
+  <p:transition spd="med"/>
 </p:sld>
 </file>
 
 <file path=ppt/slides/slide3.xml><?xml version="1.0" encoding="utf-8"?>
-<p:sld xmlns:a="http://schemas.openxmlformats.org/drawingml/2006/main" xmlns:r="http://schemas.openxmlformats.org/officeDocument/2006/relationships" xmlns:p="http://schemas.openxmlformats.org/presentationml/2006/main" xmlns:m="http://schemas.openxmlformats.org/officeDocument/2006/math" xmlns:a14="http://schemas.microsoft.com/office/drawing/2010/main" showMasterSp="1" showMasterPhAnim="1">
+<p:sld xmlns:a="http://schemas.openxmlformats.org/drawingml/2006/main" xmlns:r="http://schemas.openxmlformats.org/officeDocument/2006/relationships" xmlns:p="http://schemas.openxmlformats.org/presentationml/2006/main">
   <p:cSld>
     <p:spTree>
       <p:nvGrpSpPr>
@@ -3578,6 +3713,7 @@
                 </a:solidFill>
               </a:defRPr>
             </a:pPr>
+            <a:endParaRPr/>
           </a:p>
         </p:txBody>
       </p:sp>
@@ -3627,6 +3763,7 @@
                 </a:solidFill>
               </a:defRPr>
             </a:pPr>
+            <a:endParaRPr/>
           </a:p>
         </p:txBody>
       </p:sp>
@@ -3639,9 +3776,7 @@
           <p:nvPr/>
         </p:nvPicPr>
         <p:blipFill>
-          <a:blip r:embed="rId3">
-            <a:extLst/>
-          </a:blip>
+          <a:blip r:embed="rId3"/>
           <a:stretch>
             <a:fillRect/>
           </a:stretch>
@@ -3662,7 +3797,9 @@
       <p:sp>
         <p:nvSpPr>
           <p:cNvPr id="112" name="Title 1"/>
-          <p:cNvSpPr txBox="1"/>
+          <p:cNvSpPr txBox="1">
+            <a:spLocks noGrp="1"/>
+          </p:cNvSpPr>
           <p:nvPr>
             <p:ph type="title"/>
           </p:nvPr>
@@ -3688,7 +3825,6 @@
             </a:lvl1pPr>
           </a:lstStyle>
           <a:p>
-            <a:pPr/>
             <a:r>
               <a:t>Use Case Diagram</a:t>
             </a:r>
@@ -3698,7 +3834,9 @@
       <p:sp>
         <p:nvSpPr>
           <p:cNvPr id="113" name="Content Placeholder 2"/>
-          <p:cNvSpPr txBox="1"/>
+          <p:cNvSpPr txBox="1">
+            <a:spLocks noGrp="1"/>
+          </p:cNvSpPr>
           <p:nvPr>
             <p:ph type="body" sz="half" idx="1"/>
           </p:nvPr>
@@ -3722,7 +3860,6 @@
             </a:lvl1pPr>
           </a:lstStyle>
           <a:p>
-            <a:pPr/>
             <a:r>
               <a:t>[Insert your use case diagram here.]</a:t>
             </a:r>
@@ -3738,9 +3875,7 @@
           <p:nvPr/>
         </p:nvPicPr>
         <p:blipFill>
-          <a:blip r:embed="rId4">
-            <a:extLst/>
-          </a:blip>
+          <a:blip r:embed="rId4"/>
           <a:stretch>
             <a:fillRect/>
           </a:stretch>
@@ -3763,12 +3898,12 @@
   <p:clrMapOvr>
     <a:masterClrMapping/>
   </p:clrMapOvr>
-  <p:transition xmlns:p14="http://schemas.microsoft.com/office/powerpoint/2010/main" spd="med" advClick="1"/>
+  <p:transition spd="med"/>
 </p:sld>
 </file>
 
 <file path=ppt/slides/slide4.xml><?xml version="1.0" encoding="utf-8"?>
-<p:sld xmlns:a="http://schemas.openxmlformats.org/drawingml/2006/main" xmlns:r="http://schemas.openxmlformats.org/officeDocument/2006/relationships" xmlns:p="http://schemas.openxmlformats.org/presentationml/2006/main" xmlns:m="http://schemas.openxmlformats.org/officeDocument/2006/math" xmlns:a14="http://schemas.microsoft.com/office/drawing/2010/main" showMasterSp="1" showMasterPhAnim="1">
+<p:sld xmlns:a="http://schemas.openxmlformats.org/drawingml/2006/main" xmlns:r="http://schemas.openxmlformats.org/officeDocument/2006/relationships" xmlns:p="http://schemas.openxmlformats.org/presentationml/2006/main">
   <p:cSld>
     <p:spTree>
       <p:nvGrpSpPr>
@@ -3816,6 +3951,7 @@
                 </a:solidFill>
               </a:defRPr>
             </a:pPr>
+            <a:endParaRPr/>
           </a:p>
         </p:txBody>
       </p:sp>
@@ -3865,6 +4001,7 @@
                 </a:solidFill>
               </a:defRPr>
             </a:pPr>
+            <a:endParaRPr/>
           </a:p>
         </p:txBody>
       </p:sp>
@@ -3877,9 +4014,7 @@
           <p:nvPr/>
         </p:nvPicPr>
         <p:blipFill>
-          <a:blip r:embed="rId3">
-            <a:extLst/>
-          </a:blip>
+          <a:blip r:embed="rId3"/>
           <a:stretch>
             <a:fillRect/>
           </a:stretch>
@@ -3900,7 +4035,9 @@
       <p:sp>
         <p:nvSpPr>
           <p:cNvPr id="121" name="Title 1"/>
-          <p:cNvSpPr txBox="1"/>
+          <p:cNvSpPr txBox="1">
+            <a:spLocks noGrp="1"/>
+          </p:cNvSpPr>
           <p:nvPr>
             <p:ph type="title"/>
           </p:nvPr>
@@ -3944,9 +4081,7 @@
           <p:nvPr/>
         </p:nvPicPr>
         <p:blipFill>
-          <a:blip r:embed="rId4">
-            <a:extLst/>
-          </a:blip>
+          <a:blip r:embed="rId4"/>
           <a:stretch>
             <a:fillRect/>
           </a:stretch>
@@ -3969,12 +4104,12 @@
   <p:clrMapOvr>
     <a:masterClrMapping/>
   </p:clrMapOvr>
-  <p:transition xmlns:p14="http://schemas.microsoft.com/office/powerpoint/2010/main" spd="med" advClick="1"/>
+  <p:transition spd="med"/>
 </p:sld>
 </file>
 
 <file path=ppt/slides/slide5.xml><?xml version="1.0" encoding="utf-8"?>
-<p:sld xmlns:a="http://schemas.openxmlformats.org/drawingml/2006/main" xmlns:r="http://schemas.openxmlformats.org/officeDocument/2006/relationships" xmlns:p="http://schemas.openxmlformats.org/presentationml/2006/main" xmlns:m="http://schemas.openxmlformats.org/officeDocument/2006/math" xmlns:a14="http://schemas.microsoft.com/office/drawing/2010/main" showMasterSp="1" showMasterPhAnim="1">
+<p:sld xmlns:a="http://schemas.openxmlformats.org/drawingml/2006/main" xmlns:r="http://schemas.openxmlformats.org/officeDocument/2006/relationships" xmlns:p="http://schemas.openxmlformats.org/presentationml/2006/main">
   <p:cSld>
     <p:spTree>
       <p:nvGrpSpPr>
@@ -4022,6 +4157,7 @@
                 </a:solidFill>
               </a:defRPr>
             </a:pPr>
+            <a:endParaRPr/>
           </a:p>
         </p:txBody>
       </p:sp>
@@ -4071,6 +4207,7 @@
                 </a:solidFill>
               </a:defRPr>
             </a:pPr>
+            <a:endParaRPr/>
           </a:p>
         </p:txBody>
       </p:sp>
@@ -4083,9 +4220,7 @@
           <p:nvPr/>
         </p:nvPicPr>
         <p:blipFill>
-          <a:blip r:embed="rId3">
-            <a:extLst/>
-          </a:blip>
+          <a:blip r:embed="rId3"/>
           <a:stretch>
             <a:fillRect/>
           </a:stretch>
@@ -4106,7 +4241,9 @@
       <p:sp>
         <p:nvSpPr>
           <p:cNvPr id="129" name="Title 1"/>
-          <p:cNvSpPr txBox="1"/>
+          <p:cNvSpPr txBox="1">
+            <a:spLocks noGrp="1"/>
+          </p:cNvSpPr>
           <p:nvPr>
             <p:ph type="title"/>
           </p:nvPr>
@@ -4132,7 +4269,6 @@
             </a:lvl1pPr>
           </a:lstStyle>
           <a:p>
-            <a:pPr/>
             <a:r>
               <a:t>Security</a:t>
             </a:r>
@@ -4142,7 +4278,9 @@
       <p:sp>
         <p:nvSpPr>
           <p:cNvPr id="130" name="Content Placeholder 2"/>
-          <p:cNvSpPr txBox="1"/>
+          <p:cNvSpPr txBox="1">
+            <a:spLocks noGrp="1"/>
+          </p:cNvSpPr>
           <p:nvPr>
             <p:ph type="body" sz="half" idx="1"/>
           </p:nvPr>
@@ -4217,6 +4355,7 @@
                 </a:solidFill>
               </a:defRPr>
             </a:pPr>
+            <a:endParaRPr/>
           </a:p>
           <a:p>
             <a:pPr marL="0" indent="0">
@@ -4235,6 +4374,7 @@
                 </a:solidFill>
               </a:defRPr>
             </a:pPr>
+            <a:endParaRPr/>
           </a:p>
           <a:p>
             <a:pPr marL="0" indent="0">
@@ -4334,12 +4474,12 @@
   <p:clrMapOvr>
     <a:masterClrMapping/>
   </p:clrMapOvr>
-  <p:transition xmlns:p14="http://schemas.microsoft.com/office/powerpoint/2010/main" spd="med" advClick="1"/>
+  <p:transition spd="med"/>
 </p:sld>
 </file>
 
 <file path=ppt/slides/slide6.xml><?xml version="1.0" encoding="utf-8"?>
-<p:sld xmlns:a="http://schemas.openxmlformats.org/drawingml/2006/main" xmlns:r="http://schemas.openxmlformats.org/officeDocument/2006/relationships" xmlns:p="http://schemas.openxmlformats.org/presentationml/2006/main" xmlns:m="http://schemas.openxmlformats.org/officeDocument/2006/math" xmlns:a14="http://schemas.microsoft.com/office/drawing/2010/main" showMasterSp="1" showMasterPhAnim="1">
+<p:sld xmlns:a="http://schemas.openxmlformats.org/drawingml/2006/main" xmlns:r="http://schemas.openxmlformats.org/officeDocument/2006/relationships" xmlns:p="http://schemas.openxmlformats.org/presentationml/2006/main">
   <p:cSld>
     <p:spTree>
       <p:nvGrpSpPr>
@@ -4387,6 +4527,7 @@
                 </a:solidFill>
               </a:defRPr>
             </a:pPr>
+            <a:endParaRPr/>
           </a:p>
         </p:txBody>
       </p:sp>
@@ -4436,6 +4577,7 @@
                 </a:solidFill>
               </a:defRPr>
             </a:pPr>
+            <a:endParaRPr/>
           </a:p>
         </p:txBody>
       </p:sp>
@@ -4448,9 +4590,7 @@
           <p:nvPr/>
         </p:nvPicPr>
         <p:blipFill>
-          <a:blip r:embed="rId3">
-            <a:extLst/>
-          </a:blip>
+          <a:blip r:embed="rId3"/>
           <a:stretch>
             <a:fillRect/>
           </a:stretch>
@@ -4471,7 +4611,9 @@
       <p:sp>
         <p:nvSpPr>
           <p:cNvPr id="137" name="Title 1"/>
-          <p:cNvSpPr txBox="1"/>
+          <p:cNvSpPr txBox="1">
+            <a:spLocks noGrp="1"/>
+          </p:cNvSpPr>
           <p:nvPr>
             <p:ph type="title"/>
           </p:nvPr>
@@ -4497,7 +4639,6 @@
             </a:lvl1pPr>
           </a:lstStyle>
           <a:p>
-            <a:pPr/>
             <a:r>
               <a:t>System Limitations</a:t>
             </a:r>
@@ -4507,7 +4648,9 @@
       <p:sp>
         <p:nvSpPr>
           <p:cNvPr id="138" name="Content Placeholder 2"/>
-          <p:cNvSpPr txBox="1"/>
+          <p:cNvSpPr txBox="1">
+            <a:spLocks noGrp="1"/>
+          </p:cNvSpPr>
           <p:nvPr>
             <p:ph type="body" sz="half" idx="1"/>
           </p:nvPr>
@@ -4563,12 +4706,12 @@
   <p:clrMapOvr>
     <a:masterClrMapping/>
   </p:clrMapOvr>
-  <p:transition xmlns:p14="http://schemas.microsoft.com/office/powerpoint/2010/main" spd="med" advClick="1"/>
+  <p:transition spd="med"/>
 </p:sld>
 </file>
 
 <file path=ppt/theme/theme1.xml><?xml version="1.0" encoding="utf-8"?>
-<a:theme xmlns:a="http://schemas.openxmlformats.org/drawingml/2006/main" xmlns:r="http://schemas.openxmlformats.org/officeDocument/2006/relationships" name="Office Theme">
+<a:theme xmlns:a="http://schemas.openxmlformats.org/drawingml/2006/main" name="Office Theme">
   <a:themeElements>
     <a:clrScheme name="Office Theme">
       <a:dk1>
@@ -4770,7 +4913,7 @@
         <a:effectLst/>
         <a:sp3d/>
       </a:spPr>
-      <a:bodyPr rot="0" spcFirstLastPara="1" vertOverflow="overflow" horzOverflow="overflow" vert="horz" wrap="square" lIns="45719" tIns="45719" rIns="45719" bIns="45719" numCol="1" spcCol="38100" rtlCol="0" anchor="ctr" upright="0">
+      <a:bodyPr rot="0" spcFirstLastPara="1" vertOverflow="overflow" horzOverflow="overflow" vert="horz" wrap="square" lIns="45719" tIns="45719" rIns="45719" bIns="45719" numCol="1" spcCol="38100" rtlCol="0" anchor="ctr">
         <a:spAutoFit/>
       </a:bodyPr>
       <a:lstStyle>
@@ -4789,7 +4932,7 @@
           <a:buFontTx/>
           <a:buNone/>
           <a:tabLst/>
-          <a:defRPr b="0" baseline="0" cap="none" i="0" spc="0" strike="noStrike" sz="1800" u="none" kumimoji="0" normalizeH="0">
+          <a:defRPr kumimoji="0" sz="1800" b="0" i="0" u="none" strike="noStrike" cap="none" spc="0" normalizeH="0" baseline="0">
             <a:ln>
               <a:noFill/>
             </a:ln>
@@ -4819,7 +4962,7 @@
           <a:buFontTx/>
           <a:buNone/>
           <a:tabLst/>
-          <a:defRPr b="0" baseline="0" cap="none" i="0" spc="0" strike="noStrike" sz="1800" u="none" kumimoji="0" normalizeH="0">
+          <a:defRPr kumimoji="0" sz="1800" b="0" i="0" u="none" strike="noStrike" cap="none" spc="0" normalizeH="0" baseline="0">
             <a:ln>
               <a:noFill/>
             </a:ln>
@@ -4845,7 +4988,7 @@
           <a:buFontTx/>
           <a:buNone/>
           <a:tabLst/>
-          <a:defRPr b="0" baseline="0" cap="none" i="0" spc="0" strike="noStrike" sz="1800" u="none" kumimoji="0" normalizeH="0">
+          <a:defRPr kumimoji="0" sz="1800" b="0" i="0" u="none" strike="noStrike" cap="none" spc="0" normalizeH="0" baseline="0">
             <a:ln>
               <a:noFill/>
             </a:ln>
@@ -4871,7 +5014,7 @@
           <a:buFontTx/>
           <a:buNone/>
           <a:tabLst/>
-          <a:defRPr b="0" baseline="0" cap="none" i="0" spc="0" strike="noStrike" sz="1800" u="none" kumimoji="0" normalizeH="0">
+          <a:defRPr kumimoji="0" sz="1800" b="0" i="0" u="none" strike="noStrike" cap="none" spc="0" normalizeH="0" baseline="0">
             <a:ln>
               <a:noFill/>
             </a:ln>
@@ -4897,7 +5040,7 @@
           <a:buFontTx/>
           <a:buNone/>
           <a:tabLst/>
-          <a:defRPr b="0" baseline="0" cap="none" i="0" spc="0" strike="noStrike" sz="1800" u="none" kumimoji="0" normalizeH="0">
+          <a:defRPr kumimoji="0" sz="1800" b="0" i="0" u="none" strike="noStrike" cap="none" spc="0" normalizeH="0" baseline="0">
             <a:ln>
               <a:noFill/>
             </a:ln>
@@ -4923,7 +5066,7 @@
           <a:buFontTx/>
           <a:buNone/>
           <a:tabLst/>
-          <a:defRPr b="0" baseline="0" cap="none" i="0" spc="0" strike="noStrike" sz="1800" u="none" kumimoji="0" normalizeH="0">
+          <a:defRPr kumimoji="0" sz="1800" b="0" i="0" u="none" strike="noStrike" cap="none" spc="0" normalizeH="0" baseline="0">
             <a:ln>
               <a:noFill/>
             </a:ln>
@@ -4949,7 +5092,7 @@
           <a:buFontTx/>
           <a:buNone/>
           <a:tabLst/>
-          <a:defRPr b="0" baseline="0" cap="none" i="0" spc="0" strike="noStrike" sz="1800" u="none" kumimoji="0" normalizeH="0">
+          <a:defRPr kumimoji="0" sz="1800" b="0" i="0" u="none" strike="noStrike" cap="none" spc="0" normalizeH="0" baseline="0">
             <a:ln>
               <a:noFill/>
             </a:ln>
@@ -4975,7 +5118,7 @@
           <a:buFontTx/>
           <a:buNone/>
           <a:tabLst/>
-          <a:defRPr b="0" baseline="0" cap="none" i="0" spc="0" strike="noStrike" sz="1800" u="none" kumimoji="0" normalizeH="0">
+          <a:defRPr kumimoji="0" sz="1800" b="0" i="0" u="none" strike="noStrike" cap="none" spc="0" normalizeH="0" baseline="0">
             <a:ln>
               <a:noFill/>
             </a:ln>
@@ -5001,7 +5144,7 @@
           <a:buFontTx/>
           <a:buNone/>
           <a:tabLst/>
-          <a:defRPr b="0" baseline="0" cap="none" i="0" spc="0" strike="noStrike" sz="1800" u="none" kumimoji="0" normalizeH="0">
+          <a:defRPr kumimoji="0" sz="1800" b="0" i="0" u="none" strike="noStrike" cap="none" spc="0" normalizeH="0" baseline="0">
             <a:ln>
               <a:noFill/>
             </a:ln>
@@ -5027,7 +5170,7 @@
           <a:buFontTx/>
           <a:buNone/>
           <a:tabLst/>
-          <a:defRPr b="0" baseline="0" cap="none" i="0" spc="0" strike="noStrike" sz="1800" u="none" kumimoji="0" normalizeH="0">
+          <a:defRPr kumimoji="0" sz="1800" b="0" i="0" u="none" strike="noStrike" cap="none" spc="0" normalizeH="0" baseline="0">
             <a:ln>
               <a:noFill/>
             </a:ln>
@@ -5040,9 +5183,15 @@
         </a:lvl9pPr>
       </a:lstStyle>
       <a:style>
-        <a:lnRef idx="0"/>
-        <a:fillRef idx="0"/>
-        <a:effectRef idx="0"/>
+        <a:lnRef idx="0">
+          <a:scrgbClr r="0" g="0" b="0"/>
+        </a:lnRef>
+        <a:fillRef idx="0">
+          <a:scrgbClr r="0" g="0" b="0"/>
+        </a:fillRef>
+        <a:effectRef idx="0">
+          <a:scrgbClr r="0" g="0" b="0"/>
+        </a:effectRef>
         <a:fontRef idx="none"/>
       </a:style>
     </a:spDef>
@@ -5059,7 +5208,7 @@
         <a:effectLst/>
         <a:sp3d/>
       </a:spPr>
-      <a:bodyPr rot="0" spcFirstLastPara="1" vertOverflow="overflow" horzOverflow="overflow" vert="horz" wrap="square" lIns="91439" tIns="45719" rIns="91439" bIns="45719" numCol="1" spcCol="38100" rtlCol="0" anchor="t" upright="0">
+      <a:bodyPr rot="0" spcFirstLastPara="1" vertOverflow="overflow" horzOverflow="overflow" vert="horz" wrap="square" lIns="91439" tIns="45719" rIns="91439" bIns="45719" numCol="1" spcCol="38100" rtlCol="0" anchor="t">
         <a:noAutofit/>
       </a:bodyPr>
       <a:lstStyle>
@@ -5078,7 +5227,7 @@
           <a:buFontTx/>
           <a:buNone/>
           <a:tabLst/>
-          <a:defRPr b="0" baseline="0" cap="none" i="0" spc="0" strike="noStrike" sz="1800" u="none" kumimoji="0" normalizeH="0">
+          <a:defRPr kumimoji="0" sz="1800" b="0" i="0" u="none" strike="noStrike" cap="none" spc="0" normalizeH="0" baseline="0">
             <a:ln>
               <a:noFill/>
             </a:ln>
@@ -5104,7 +5253,7 @@
           <a:buFontTx/>
           <a:buNone/>
           <a:tabLst/>
-          <a:defRPr b="0" baseline="0" cap="none" i="0" spc="0" strike="noStrike" sz="1800" u="none" kumimoji="0" normalizeH="0">
+          <a:defRPr kumimoji="0" sz="1800" b="0" i="0" u="none" strike="noStrike" cap="none" spc="0" normalizeH="0" baseline="0">
             <a:ln>
               <a:noFill/>
             </a:ln>
@@ -5130,7 +5279,7 @@
           <a:buFontTx/>
           <a:buNone/>
           <a:tabLst/>
-          <a:defRPr b="0" baseline="0" cap="none" i="0" spc="0" strike="noStrike" sz="1800" u="none" kumimoji="0" normalizeH="0">
+          <a:defRPr kumimoji="0" sz="1800" b="0" i="0" u="none" strike="noStrike" cap="none" spc="0" normalizeH="0" baseline="0">
             <a:ln>
               <a:noFill/>
             </a:ln>
@@ -5156,7 +5305,7 @@
           <a:buFontTx/>
           <a:buNone/>
           <a:tabLst/>
-          <a:defRPr b="0" baseline="0" cap="none" i="0" spc="0" strike="noStrike" sz="1800" u="none" kumimoji="0" normalizeH="0">
+          <a:defRPr kumimoji="0" sz="1800" b="0" i="0" u="none" strike="noStrike" cap="none" spc="0" normalizeH="0" baseline="0">
             <a:ln>
               <a:noFill/>
             </a:ln>
@@ -5182,7 +5331,7 @@
           <a:buFontTx/>
           <a:buNone/>
           <a:tabLst/>
-          <a:defRPr b="0" baseline="0" cap="none" i="0" spc="0" strike="noStrike" sz="1800" u="none" kumimoji="0" normalizeH="0">
+          <a:defRPr kumimoji="0" sz="1800" b="0" i="0" u="none" strike="noStrike" cap="none" spc="0" normalizeH="0" baseline="0">
             <a:ln>
               <a:noFill/>
             </a:ln>
@@ -5208,7 +5357,7 @@
           <a:buFontTx/>
           <a:buNone/>
           <a:tabLst/>
-          <a:defRPr b="0" baseline="0" cap="none" i="0" spc="0" strike="noStrike" sz="1800" u="none" kumimoji="0" normalizeH="0">
+          <a:defRPr kumimoji="0" sz="1800" b="0" i="0" u="none" strike="noStrike" cap="none" spc="0" normalizeH="0" baseline="0">
             <a:ln>
               <a:noFill/>
             </a:ln>
@@ -5234,7 +5383,7 @@
           <a:buFontTx/>
           <a:buNone/>
           <a:tabLst/>
-          <a:defRPr b="0" baseline="0" cap="none" i="0" spc="0" strike="noStrike" sz="1800" u="none" kumimoji="0" normalizeH="0">
+          <a:defRPr kumimoji="0" sz="1800" b="0" i="0" u="none" strike="noStrike" cap="none" spc="0" normalizeH="0" baseline="0">
             <a:ln>
               <a:noFill/>
             </a:ln>
@@ -5260,7 +5409,7 @@
           <a:buFontTx/>
           <a:buNone/>
           <a:tabLst/>
-          <a:defRPr b="0" baseline="0" cap="none" i="0" spc="0" strike="noStrike" sz="1800" u="none" kumimoji="0" normalizeH="0">
+          <a:defRPr kumimoji="0" sz="1800" b="0" i="0" u="none" strike="noStrike" cap="none" spc="0" normalizeH="0" baseline="0">
             <a:ln>
               <a:noFill/>
             </a:ln>
@@ -5286,7 +5435,7 @@
           <a:buFontTx/>
           <a:buNone/>
           <a:tabLst/>
-          <a:defRPr b="0" baseline="0" cap="none" i="0" spc="0" strike="noStrike" sz="1800" u="none" kumimoji="0" normalizeH="0">
+          <a:defRPr kumimoji="0" sz="1800" b="0" i="0" u="none" strike="noStrike" cap="none" spc="0" normalizeH="0" baseline="0">
             <a:ln>
               <a:noFill/>
             </a:ln>
@@ -5312,7 +5461,7 @@
           <a:buFontTx/>
           <a:buNone/>
           <a:tabLst/>
-          <a:defRPr b="0" baseline="0" cap="none" i="0" spc="0" strike="noStrike" sz="1800" u="none" kumimoji="0" normalizeH="0">
+          <a:defRPr kumimoji="0" sz="1800" b="0" i="0" u="none" strike="noStrike" cap="none" spc="0" normalizeH="0" baseline="0">
             <a:ln>
               <a:noFill/>
             </a:ln>
@@ -5325,9 +5474,15 @@
         </a:lvl9pPr>
       </a:lstStyle>
       <a:style>
-        <a:lnRef idx="0"/>
-        <a:fillRef idx="0"/>
-        <a:effectRef idx="0"/>
+        <a:lnRef idx="0">
+          <a:scrgbClr r="0" g="0" b="0"/>
+        </a:lnRef>
+        <a:fillRef idx="0">
+          <a:scrgbClr r="0" g="0" b="0"/>
+        </a:fillRef>
+        <a:effectRef idx="0">
+          <a:scrgbClr r="0" g="0" b="0"/>
+        </a:effectRef>
         <a:fontRef idx="none"/>
       </a:style>
     </a:lnDef>
@@ -5341,7 +5496,7 @@
         <a:effectLst/>
         <a:sp3d/>
       </a:spPr>
-      <a:bodyPr rot="0" spcFirstLastPara="1" vertOverflow="overflow" horzOverflow="overflow" vert="horz" wrap="square" lIns="45719" tIns="45719" rIns="45719" bIns="45719" numCol="1" spcCol="38100" rtlCol="0" anchor="t" upright="0">
+      <a:bodyPr rot="0" spcFirstLastPara="1" vertOverflow="overflow" horzOverflow="overflow" vert="horz" wrap="square" lIns="45719" tIns="45719" rIns="45719" bIns="45719" numCol="1" spcCol="38100" rtlCol="0" anchor="t">
         <a:spAutoFit/>
       </a:bodyPr>
       <a:lstStyle>
@@ -5360,7 +5515,7 @@
           <a:buFontTx/>
           <a:buNone/>
           <a:tabLst/>
-          <a:defRPr b="0" baseline="0" cap="none" i="0" spc="0" strike="noStrike" sz="1800" u="none" kumimoji="0" normalizeH="0">
+          <a:defRPr kumimoji="0" sz="1800" b="0" i="0" u="none" strike="noStrike" cap="none" spc="0" normalizeH="0" baseline="0">
             <a:ln>
               <a:noFill/>
             </a:ln>
@@ -5390,7 +5545,7 @@
           <a:buFontTx/>
           <a:buNone/>
           <a:tabLst/>
-          <a:defRPr b="0" baseline="0" cap="none" i="0" spc="0" strike="noStrike" sz="1800" u="none" kumimoji="0" normalizeH="0">
+          <a:defRPr kumimoji="0" sz="1800" b="0" i="0" u="none" strike="noStrike" cap="none" spc="0" normalizeH="0" baseline="0">
             <a:ln>
               <a:noFill/>
             </a:ln>
@@ -5416,7 +5571,7 @@
           <a:buFontTx/>
           <a:buNone/>
           <a:tabLst/>
-          <a:defRPr b="0" baseline="0" cap="none" i="0" spc="0" strike="noStrike" sz="1800" u="none" kumimoji="0" normalizeH="0">
+          <a:defRPr kumimoji="0" sz="1800" b="0" i="0" u="none" strike="noStrike" cap="none" spc="0" normalizeH="0" baseline="0">
             <a:ln>
               <a:noFill/>
             </a:ln>
@@ -5442,7 +5597,7 @@
           <a:buFontTx/>
           <a:buNone/>
           <a:tabLst/>
-          <a:defRPr b="0" baseline="0" cap="none" i="0" spc="0" strike="noStrike" sz="1800" u="none" kumimoji="0" normalizeH="0">
+          <a:defRPr kumimoji="0" sz="1800" b="0" i="0" u="none" strike="noStrike" cap="none" spc="0" normalizeH="0" baseline="0">
             <a:ln>
               <a:noFill/>
             </a:ln>
@@ -5468,7 +5623,7 @@
           <a:buFontTx/>
           <a:buNone/>
           <a:tabLst/>
-          <a:defRPr b="0" baseline="0" cap="none" i="0" spc="0" strike="noStrike" sz="1800" u="none" kumimoji="0" normalizeH="0">
+          <a:defRPr kumimoji="0" sz="1800" b="0" i="0" u="none" strike="noStrike" cap="none" spc="0" normalizeH="0" baseline="0">
             <a:ln>
               <a:noFill/>
             </a:ln>
@@ -5494,7 +5649,7 @@
           <a:buFontTx/>
           <a:buNone/>
           <a:tabLst/>
-          <a:defRPr b="0" baseline="0" cap="none" i="0" spc="0" strike="noStrike" sz="1800" u="none" kumimoji="0" normalizeH="0">
+          <a:defRPr kumimoji="0" sz="1800" b="0" i="0" u="none" strike="noStrike" cap="none" spc="0" normalizeH="0" baseline="0">
             <a:ln>
               <a:noFill/>
             </a:ln>
@@ -5520,7 +5675,7 @@
           <a:buFontTx/>
           <a:buNone/>
           <a:tabLst/>
-          <a:defRPr b="0" baseline="0" cap="none" i="0" spc="0" strike="noStrike" sz="1800" u="none" kumimoji="0" normalizeH="0">
+          <a:defRPr kumimoji="0" sz="1800" b="0" i="0" u="none" strike="noStrike" cap="none" spc="0" normalizeH="0" baseline="0">
             <a:ln>
               <a:noFill/>
             </a:ln>
@@ -5546,7 +5701,7 @@
           <a:buFontTx/>
           <a:buNone/>
           <a:tabLst/>
-          <a:defRPr b="0" baseline="0" cap="none" i="0" spc="0" strike="noStrike" sz="1800" u="none" kumimoji="0" normalizeH="0">
+          <a:defRPr kumimoji="0" sz="1800" b="0" i="0" u="none" strike="noStrike" cap="none" spc="0" normalizeH="0" baseline="0">
             <a:ln>
               <a:noFill/>
             </a:ln>
@@ -5572,7 +5727,7 @@
           <a:buFontTx/>
           <a:buNone/>
           <a:tabLst/>
-          <a:defRPr b="0" baseline="0" cap="none" i="0" spc="0" strike="noStrike" sz="1800" u="none" kumimoji="0" normalizeH="0">
+          <a:defRPr kumimoji="0" sz="1800" b="0" i="0" u="none" strike="noStrike" cap="none" spc="0" normalizeH="0" baseline="0">
             <a:ln>
               <a:noFill/>
             </a:ln>
@@ -5598,7 +5753,7 @@
           <a:buFontTx/>
           <a:buNone/>
           <a:tabLst/>
-          <a:defRPr b="0" baseline="0" cap="none" i="0" spc="0" strike="noStrike" sz="1800" u="none" kumimoji="0" normalizeH="0">
+          <a:defRPr kumimoji="0" sz="1800" b="0" i="0" u="none" strike="noStrike" cap="none" spc="0" normalizeH="0" baseline="0">
             <a:ln>
               <a:noFill/>
             </a:ln>
@@ -5611,18 +5766,25 @@
         </a:lvl9pPr>
       </a:lstStyle>
       <a:style>
-        <a:lnRef idx="0"/>
-        <a:fillRef idx="0"/>
-        <a:effectRef idx="0"/>
+        <a:lnRef idx="0">
+          <a:scrgbClr r="0" g="0" b="0"/>
+        </a:lnRef>
+        <a:fillRef idx="0">
+          <a:scrgbClr r="0" g="0" b="0"/>
+        </a:fillRef>
+        <a:effectRef idx="0">
+          <a:scrgbClr r="0" g="0" b="0"/>
+        </a:effectRef>
         <a:fontRef idx="none"/>
       </a:style>
     </a:txDef>
   </a:objectDefaults>
+  <a:extraClrSchemeLst/>
 </a:theme>
 </file>
 
 <file path=ppt/theme/theme2.xml><?xml version="1.0" encoding="utf-8"?>
-<a:theme xmlns:a="http://schemas.openxmlformats.org/drawingml/2006/main" xmlns:r="http://schemas.openxmlformats.org/officeDocument/2006/relationships" name="Office Theme">
+<a:theme xmlns:a="http://schemas.openxmlformats.org/drawingml/2006/main" name="Office Theme">
   <a:themeElements>
     <a:clrScheme name="Office Theme">
       <a:dk1>
@@ -5824,7 +5986,7 @@
         <a:effectLst/>
         <a:sp3d/>
       </a:spPr>
-      <a:bodyPr rot="0" spcFirstLastPara="1" vertOverflow="overflow" horzOverflow="overflow" vert="horz" wrap="square" lIns="45719" tIns="45719" rIns="45719" bIns="45719" numCol="1" spcCol="38100" rtlCol="0" anchor="ctr" upright="0">
+      <a:bodyPr rot="0" spcFirstLastPara="1" vertOverflow="overflow" horzOverflow="overflow" vert="horz" wrap="square" lIns="45719" tIns="45719" rIns="45719" bIns="45719" numCol="1" spcCol="38100" rtlCol="0" anchor="ctr">
         <a:spAutoFit/>
       </a:bodyPr>
       <a:lstStyle>
@@ -5843,7 +6005,7 @@
           <a:buFontTx/>
           <a:buNone/>
           <a:tabLst/>
-          <a:defRPr b="0" baseline="0" cap="none" i="0" spc="0" strike="noStrike" sz="1800" u="none" kumimoji="0" normalizeH="0">
+          <a:defRPr kumimoji="0" sz="1800" b="0" i="0" u="none" strike="noStrike" cap="none" spc="0" normalizeH="0" baseline="0">
             <a:ln>
               <a:noFill/>
             </a:ln>
@@ -5873,7 +6035,7 @@
           <a:buFontTx/>
           <a:buNone/>
           <a:tabLst/>
-          <a:defRPr b="0" baseline="0" cap="none" i="0" spc="0" strike="noStrike" sz="1800" u="none" kumimoji="0" normalizeH="0">
+          <a:defRPr kumimoji="0" sz="1800" b="0" i="0" u="none" strike="noStrike" cap="none" spc="0" normalizeH="0" baseline="0">
             <a:ln>
               <a:noFill/>
             </a:ln>
@@ -5899,7 +6061,7 @@
           <a:buFontTx/>
           <a:buNone/>
           <a:tabLst/>
-          <a:defRPr b="0" baseline="0" cap="none" i="0" spc="0" strike="noStrike" sz="1800" u="none" kumimoji="0" normalizeH="0">
+          <a:defRPr kumimoji="0" sz="1800" b="0" i="0" u="none" strike="noStrike" cap="none" spc="0" normalizeH="0" baseline="0">
             <a:ln>
               <a:noFill/>
             </a:ln>
@@ -5925,7 +6087,7 @@
           <a:buFontTx/>
           <a:buNone/>
           <a:tabLst/>
-          <a:defRPr b="0" baseline="0" cap="none" i="0" spc="0" strike="noStrike" sz="1800" u="none" kumimoji="0" normalizeH="0">
+          <a:defRPr kumimoji="0" sz="1800" b="0" i="0" u="none" strike="noStrike" cap="none" spc="0" normalizeH="0" baseline="0">
             <a:ln>
               <a:noFill/>
             </a:ln>
@@ -5951,7 +6113,7 @@
           <a:buFontTx/>
           <a:buNone/>
           <a:tabLst/>
-          <a:defRPr b="0" baseline="0" cap="none" i="0" spc="0" strike="noStrike" sz="1800" u="none" kumimoji="0" normalizeH="0">
+          <a:defRPr kumimoji="0" sz="1800" b="0" i="0" u="none" strike="noStrike" cap="none" spc="0" normalizeH="0" baseline="0">
             <a:ln>
               <a:noFill/>
             </a:ln>
@@ -5977,7 +6139,7 @@
           <a:buFontTx/>
           <a:buNone/>
           <a:tabLst/>
-          <a:defRPr b="0" baseline="0" cap="none" i="0" spc="0" strike="noStrike" sz="1800" u="none" kumimoji="0" normalizeH="0">
+          <a:defRPr kumimoji="0" sz="1800" b="0" i="0" u="none" strike="noStrike" cap="none" spc="0" normalizeH="0" baseline="0">
             <a:ln>
               <a:noFill/>
             </a:ln>
@@ -6003,7 +6165,7 @@
           <a:buFontTx/>
           <a:buNone/>
           <a:tabLst/>
-          <a:defRPr b="0" baseline="0" cap="none" i="0" spc="0" strike="noStrike" sz="1800" u="none" kumimoji="0" normalizeH="0">
+          <a:defRPr kumimoji="0" sz="1800" b="0" i="0" u="none" strike="noStrike" cap="none" spc="0" normalizeH="0" baseline="0">
             <a:ln>
               <a:noFill/>
             </a:ln>
@@ -6029,7 +6191,7 @@
           <a:buFontTx/>
           <a:buNone/>
           <a:tabLst/>
-          <a:defRPr b="0" baseline="0" cap="none" i="0" spc="0" strike="noStrike" sz="1800" u="none" kumimoji="0" normalizeH="0">
+          <a:defRPr kumimoji="0" sz="1800" b="0" i="0" u="none" strike="noStrike" cap="none" spc="0" normalizeH="0" baseline="0">
             <a:ln>
               <a:noFill/>
             </a:ln>
@@ -6055,7 +6217,7 @@
           <a:buFontTx/>
           <a:buNone/>
           <a:tabLst/>
-          <a:defRPr b="0" baseline="0" cap="none" i="0" spc="0" strike="noStrike" sz="1800" u="none" kumimoji="0" normalizeH="0">
+          <a:defRPr kumimoji="0" sz="1800" b="0" i="0" u="none" strike="noStrike" cap="none" spc="0" normalizeH="0" baseline="0">
             <a:ln>
               <a:noFill/>
             </a:ln>
@@ -6081,7 +6243,7 @@
           <a:buFontTx/>
           <a:buNone/>
           <a:tabLst/>
-          <a:defRPr b="0" baseline="0" cap="none" i="0" spc="0" strike="noStrike" sz="1800" u="none" kumimoji="0" normalizeH="0">
+          <a:defRPr kumimoji="0" sz="1800" b="0" i="0" u="none" strike="noStrike" cap="none" spc="0" normalizeH="0" baseline="0">
             <a:ln>
               <a:noFill/>
             </a:ln>
@@ -6094,9 +6256,15 @@
         </a:lvl9pPr>
       </a:lstStyle>
       <a:style>
-        <a:lnRef idx="0"/>
-        <a:fillRef idx="0"/>
-        <a:effectRef idx="0"/>
+        <a:lnRef idx="0">
+          <a:scrgbClr r="0" g="0" b="0"/>
+        </a:lnRef>
+        <a:fillRef idx="0">
+          <a:scrgbClr r="0" g="0" b="0"/>
+        </a:fillRef>
+        <a:effectRef idx="0">
+          <a:scrgbClr r="0" g="0" b="0"/>
+        </a:effectRef>
         <a:fontRef idx="none"/>
       </a:style>
     </a:spDef>
@@ -6113,7 +6281,7 @@
         <a:effectLst/>
         <a:sp3d/>
       </a:spPr>
-      <a:bodyPr rot="0" spcFirstLastPara="1" vertOverflow="overflow" horzOverflow="overflow" vert="horz" wrap="square" lIns="91439" tIns="45719" rIns="91439" bIns="45719" numCol="1" spcCol="38100" rtlCol="0" anchor="t" upright="0">
+      <a:bodyPr rot="0" spcFirstLastPara="1" vertOverflow="overflow" horzOverflow="overflow" vert="horz" wrap="square" lIns="91439" tIns="45719" rIns="91439" bIns="45719" numCol="1" spcCol="38100" rtlCol="0" anchor="t">
         <a:noAutofit/>
       </a:bodyPr>
       <a:lstStyle>
@@ -6132,7 +6300,7 @@
           <a:buFontTx/>
           <a:buNone/>
           <a:tabLst/>
-          <a:defRPr b="0" baseline="0" cap="none" i="0" spc="0" strike="noStrike" sz="1800" u="none" kumimoji="0" normalizeH="0">
+          <a:defRPr kumimoji="0" sz="1800" b="0" i="0" u="none" strike="noStrike" cap="none" spc="0" normalizeH="0" baseline="0">
             <a:ln>
               <a:noFill/>
             </a:ln>
@@ -6158,7 +6326,7 @@
           <a:buFontTx/>
           <a:buNone/>
           <a:tabLst/>
-          <a:defRPr b="0" baseline="0" cap="none" i="0" spc="0" strike="noStrike" sz="1800" u="none" kumimoji="0" normalizeH="0">
+          <a:defRPr kumimoji="0" sz="1800" b="0" i="0" u="none" strike="noStrike" cap="none" spc="0" normalizeH="0" baseline="0">
             <a:ln>
               <a:noFill/>
             </a:ln>
@@ -6184,7 +6352,7 @@
           <a:buFontTx/>
           <a:buNone/>
           <a:tabLst/>
-          <a:defRPr b="0" baseline="0" cap="none" i="0" spc="0" strike="noStrike" sz="1800" u="none" kumimoji="0" normalizeH="0">
+          <a:defRPr kumimoji="0" sz="1800" b="0" i="0" u="none" strike="noStrike" cap="none" spc="0" normalizeH="0" baseline="0">
             <a:ln>
               <a:noFill/>
             </a:ln>
@@ -6210,7 +6378,7 @@
           <a:buFontTx/>
           <a:buNone/>
           <a:tabLst/>
-          <a:defRPr b="0" baseline="0" cap="none" i="0" spc="0" strike="noStrike" sz="1800" u="none" kumimoji="0" normalizeH="0">
+          <a:defRPr kumimoji="0" sz="1800" b="0" i="0" u="none" strike="noStrike" cap="none" spc="0" normalizeH="0" baseline="0">
             <a:ln>
               <a:noFill/>
             </a:ln>
@@ -6236,7 +6404,7 @@
           <a:buFontTx/>
           <a:buNone/>
           <a:tabLst/>
-          <a:defRPr b="0" baseline="0" cap="none" i="0" spc="0" strike="noStrike" sz="1800" u="none" kumimoji="0" normalizeH="0">
+          <a:defRPr kumimoji="0" sz="1800" b="0" i="0" u="none" strike="noStrike" cap="none" spc="0" normalizeH="0" baseline="0">
             <a:ln>
               <a:noFill/>
             </a:ln>
@@ -6262,7 +6430,7 @@
           <a:buFontTx/>
           <a:buNone/>
           <a:tabLst/>
-          <a:defRPr b="0" baseline="0" cap="none" i="0" spc="0" strike="noStrike" sz="1800" u="none" kumimoji="0" normalizeH="0">
+          <a:defRPr kumimoji="0" sz="1800" b="0" i="0" u="none" strike="noStrike" cap="none" spc="0" normalizeH="0" baseline="0">
             <a:ln>
               <a:noFill/>
             </a:ln>
@@ -6288,7 +6456,7 @@
           <a:buFontTx/>
           <a:buNone/>
           <a:tabLst/>
-          <a:defRPr b="0" baseline="0" cap="none" i="0" spc="0" strike="noStrike" sz="1800" u="none" kumimoji="0" normalizeH="0">
+          <a:defRPr kumimoji="0" sz="1800" b="0" i="0" u="none" strike="noStrike" cap="none" spc="0" normalizeH="0" baseline="0">
             <a:ln>
               <a:noFill/>
             </a:ln>
@@ -6314,7 +6482,7 @@
           <a:buFontTx/>
           <a:buNone/>
           <a:tabLst/>
-          <a:defRPr b="0" baseline="0" cap="none" i="0" spc="0" strike="noStrike" sz="1800" u="none" kumimoji="0" normalizeH="0">
+          <a:defRPr kumimoji="0" sz="1800" b="0" i="0" u="none" strike="noStrike" cap="none" spc="0" normalizeH="0" baseline="0">
             <a:ln>
               <a:noFill/>
             </a:ln>
@@ -6340,7 +6508,7 @@
           <a:buFontTx/>
           <a:buNone/>
           <a:tabLst/>
-          <a:defRPr b="0" baseline="0" cap="none" i="0" spc="0" strike="noStrike" sz="1800" u="none" kumimoji="0" normalizeH="0">
+          <a:defRPr kumimoji="0" sz="1800" b="0" i="0" u="none" strike="noStrike" cap="none" spc="0" normalizeH="0" baseline="0">
             <a:ln>
               <a:noFill/>
             </a:ln>
@@ -6366,7 +6534,7 @@
           <a:buFontTx/>
           <a:buNone/>
           <a:tabLst/>
-          <a:defRPr b="0" baseline="0" cap="none" i="0" spc="0" strike="noStrike" sz="1800" u="none" kumimoji="0" normalizeH="0">
+          <a:defRPr kumimoji="0" sz="1800" b="0" i="0" u="none" strike="noStrike" cap="none" spc="0" normalizeH="0" baseline="0">
             <a:ln>
               <a:noFill/>
             </a:ln>
@@ -6379,9 +6547,15 @@
         </a:lvl9pPr>
       </a:lstStyle>
       <a:style>
-        <a:lnRef idx="0"/>
-        <a:fillRef idx="0"/>
-        <a:effectRef idx="0"/>
+        <a:lnRef idx="0">
+          <a:scrgbClr r="0" g="0" b="0"/>
+        </a:lnRef>
+        <a:fillRef idx="0">
+          <a:scrgbClr r="0" g="0" b="0"/>
+        </a:fillRef>
+        <a:effectRef idx="0">
+          <a:scrgbClr r="0" g="0" b="0"/>
+        </a:effectRef>
         <a:fontRef idx="none"/>
       </a:style>
     </a:lnDef>
@@ -6395,7 +6569,7 @@
         <a:effectLst/>
         <a:sp3d/>
       </a:spPr>
-      <a:bodyPr rot="0" spcFirstLastPara="1" vertOverflow="overflow" horzOverflow="overflow" vert="horz" wrap="square" lIns="45719" tIns="45719" rIns="45719" bIns="45719" numCol="1" spcCol="38100" rtlCol="0" anchor="t" upright="0">
+      <a:bodyPr rot="0" spcFirstLastPara="1" vertOverflow="overflow" horzOverflow="overflow" vert="horz" wrap="square" lIns="45719" tIns="45719" rIns="45719" bIns="45719" numCol="1" spcCol="38100" rtlCol="0" anchor="t">
         <a:spAutoFit/>
       </a:bodyPr>
       <a:lstStyle>
@@ -6414,7 +6588,7 @@
           <a:buFontTx/>
           <a:buNone/>
           <a:tabLst/>
-          <a:defRPr b="0" baseline="0" cap="none" i="0" spc="0" strike="noStrike" sz="1800" u="none" kumimoji="0" normalizeH="0">
+          <a:defRPr kumimoji="0" sz="1800" b="0" i="0" u="none" strike="noStrike" cap="none" spc="0" normalizeH="0" baseline="0">
             <a:ln>
               <a:noFill/>
             </a:ln>
@@ -6444,7 +6618,7 @@
           <a:buFontTx/>
           <a:buNone/>
           <a:tabLst/>
-          <a:defRPr b="0" baseline="0" cap="none" i="0" spc="0" strike="noStrike" sz="1800" u="none" kumimoji="0" normalizeH="0">
+          <a:defRPr kumimoji="0" sz="1800" b="0" i="0" u="none" strike="noStrike" cap="none" spc="0" normalizeH="0" baseline="0">
             <a:ln>
               <a:noFill/>
             </a:ln>
@@ -6470,7 +6644,7 @@
           <a:buFontTx/>
           <a:buNone/>
           <a:tabLst/>
-          <a:defRPr b="0" baseline="0" cap="none" i="0" spc="0" strike="noStrike" sz="1800" u="none" kumimoji="0" normalizeH="0">
+          <a:defRPr kumimoji="0" sz="1800" b="0" i="0" u="none" strike="noStrike" cap="none" spc="0" normalizeH="0" baseline="0">
             <a:ln>
               <a:noFill/>
             </a:ln>
@@ -6496,7 +6670,7 @@
           <a:buFontTx/>
           <a:buNone/>
           <a:tabLst/>
-          <a:defRPr b="0" baseline="0" cap="none" i="0" spc="0" strike="noStrike" sz="1800" u="none" kumimoji="0" normalizeH="0">
+          <a:defRPr kumimoji="0" sz="1800" b="0" i="0" u="none" strike="noStrike" cap="none" spc="0" normalizeH="0" baseline="0">
             <a:ln>
               <a:noFill/>
             </a:ln>
@@ -6522,7 +6696,7 @@
           <a:buFontTx/>
           <a:buNone/>
           <a:tabLst/>
-          <a:defRPr b="0" baseline="0" cap="none" i="0" spc="0" strike="noStrike" sz="1800" u="none" kumimoji="0" normalizeH="0">
+          <a:defRPr kumimoji="0" sz="1800" b="0" i="0" u="none" strike="noStrike" cap="none" spc="0" normalizeH="0" baseline="0">
             <a:ln>
               <a:noFill/>
             </a:ln>
@@ -6548,7 +6722,7 @@
           <a:buFontTx/>
           <a:buNone/>
           <a:tabLst/>
-          <a:defRPr b="0" baseline="0" cap="none" i="0" spc="0" strike="noStrike" sz="1800" u="none" kumimoji="0" normalizeH="0">
+          <a:defRPr kumimoji="0" sz="1800" b="0" i="0" u="none" strike="noStrike" cap="none" spc="0" normalizeH="0" baseline="0">
             <a:ln>
               <a:noFill/>
             </a:ln>
@@ -6574,7 +6748,7 @@
           <a:buFontTx/>
           <a:buNone/>
           <a:tabLst/>
-          <a:defRPr b="0" baseline="0" cap="none" i="0" spc="0" strike="noStrike" sz="1800" u="none" kumimoji="0" normalizeH="0">
+          <a:defRPr kumimoji="0" sz="1800" b="0" i="0" u="none" strike="noStrike" cap="none" spc="0" normalizeH="0" baseline="0">
             <a:ln>
               <a:noFill/>
             </a:ln>
@@ -6600,7 +6774,7 @@
           <a:buFontTx/>
           <a:buNone/>
           <a:tabLst/>
-          <a:defRPr b="0" baseline="0" cap="none" i="0" spc="0" strike="noStrike" sz="1800" u="none" kumimoji="0" normalizeH="0">
+          <a:defRPr kumimoji="0" sz="1800" b="0" i="0" u="none" strike="noStrike" cap="none" spc="0" normalizeH="0" baseline="0">
             <a:ln>
               <a:noFill/>
             </a:ln>
@@ -6626,7 +6800,7 @@
           <a:buFontTx/>
           <a:buNone/>
           <a:tabLst/>
-          <a:defRPr b="0" baseline="0" cap="none" i="0" spc="0" strike="noStrike" sz="1800" u="none" kumimoji="0" normalizeH="0">
+          <a:defRPr kumimoji="0" sz="1800" b="0" i="0" u="none" strike="noStrike" cap="none" spc="0" normalizeH="0" baseline="0">
             <a:ln>
               <a:noFill/>
             </a:ln>
@@ -6652,7 +6826,7 @@
           <a:buFontTx/>
           <a:buNone/>
           <a:tabLst/>
-          <a:defRPr b="0" baseline="0" cap="none" i="0" spc="0" strike="noStrike" sz="1800" u="none" kumimoji="0" normalizeH="0">
+          <a:defRPr kumimoji="0" sz="1800" b="0" i="0" u="none" strike="noStrike" cap="none" spc="0" normalizeH="0" baseline="0">
             <a:ln>
               <a:noFill/>
             </a:ln>
@@ -6665,12 +6839,19 @@
         </a:lvl9pPr>
       </a:lstStyle>
       <a:style>
-        <a:lnRef idx="0"/>
-        <a:fillRef idx="0"/>
-        <a:effectRef idx="0"/>
+        <a:lnRef idx="0">
+          <a:scrgbClr r="0" g="0" b="0"/>
+        </a:lnRef>
+        <a:fillRef idx="0">
+          <a:scrgbClr r="0" g="0" b="0"/>
+        </a:fillRef>
+        <a:effectRef idx="0">
+          <a:scrgbClr r="0" g="0" b="0"/>
+        </a:effectRef>
         <a:fontRef idx="none"/>
       </a:style>
     </a:txDef>
   </a:objectDefaults>
+  <a:extraClrSchemeLst/>
 </a:theme>
 </file>